--- a/df-model/Architecture/relationel_schema.pptx
+++ b/df-model/Architecture/relationel_schema.pptx
@@ -106,7 +106,7 @@
   </p:defaultTextStyle>
   <p:extLst>
     <p:ext uri="{EFAFB233-063F-42B5-8137-9DF3F51BA10A}">
-      <p15:sldGuideLst xmlns:p15="http://schemas.microsoft.com/office/powerpoint/2012/main"/>
+      <p15:sldGuideLst xmlns:p15="http://schemas.microsoft.com/office/powerpoint/2012/main" xmlns=""/>
     </p:ext>
   </p:extLst>
 </p:presentation>
@@ -134,7 +134,7 @@
           <p:cNvPr id="2" name="Titre 1">
             <a:extLst>
               <a:ext uri="{FF2B5EF4-FFF2-40B4-BE49-F238E27FC236}">
-                <a16:creationId xmlns:a16="http://schemas.microsoft.com/office/drawing/2014/main" id="{B847E9DD-3A36-4B33-A02D-B72EFA0C677A}"/>
+                <a16:creationId xmlns:a16="http://schemas.microsoft.com/office/drawing/2014/main" xmlns="" id="{B847E9DD-3A36-4B33-A02D-B72EFA0C677A}"/>
               </a:ext>
             </a:extLst>
           </p:cNvPr>
@@ -172,7 +172,7 @@
           <p:cNvPr id="3" name="Sous-titre 2">
             <a:extLst>
               <a:ext uri="{FF2B5EF4-FFF2-40B4-BE49-F238E27FC236}">
-                <a16:creationId xmlns:a16="http://schemas.microsoft.com/office/drawing/2014/main" id="{6DB86161-714F-4B78-9E6E-66226C181EF5}"/>
+                <a16:creationId xmlns:a16="http://schemas.microsoft.com/office/drawing/2014/main" xmlns="" id="{6DB86161-714F-4B78-9E6E-66226C181EF5}"/>
               </a:ext>
             </a:extLst>
           </p:cNvPr>
@@ -243,7 +243,7 @@
           <p:cNvPr id="4" name="Espace réservé de la date 3">
             <a:extLst>
               <a:ext uri="{FF2B5EF4-FFF2-40B4-BE49-F238E27FC236}">
-                <a16:creationId xmlns:a16="http://schemas.microsoft.com/office/drawing/2014/main" id="{4B736185-B10D-4755-9645-9ABDA8BD4814}"/>
+                <a16:creationId xmlns:a16="http://schemas.microsoft.com/office/drawing/2014/main" xmlns="" id="{4B736185-B10D-4755-9645-9ABDA8BD4814}"/>
               </a:ext>
             </a:extLst>
           </p:cNvPr>
@@ -261,7 +261,8 @@
           <a:p>
             <a:fld id="{ED5C7432-FE40-43A9-8311-7C7576086946}" type="datetimeFigureOut">
               <a:rPr lang="en-US" smtClean="0"/>
-              <a:t>12/12/2017</a:t>
+              <a:pPr/>
+              <a:t>12/15/2017</a:t>
             </a:fld>
             <a:endParaRPr lang="en-US"/>
           </a:p>
@@ -272,7 +273,7 @@
           <p:cNvPr id="5" name="Espace réservé du pied de page 4">
             <a:extLst>
               <a:ext uri="{FF2B5EF4-FFF2-40B4-BE49-F238E27FC236}">
-                <a16:creationId xmlns:a16="http://schemas.microsoft.com/office/drawing/2014/main" id="{9D13AF26-CE46-4018-A765-7F4E98FF9386}"/>
+                <a16:creationId xmlns:a16="http://schemas.microsoft.com/office/drawing/2014/main" xmlns="" id="{9D13AF26-CE46-4018-A765-7F4E98FF9386}"/>
               </a:ext>
             </a:extLst>
           </p:cNvPr>
@@ -297,7 +298,7 @@
           <p:cNvPr id="6" name="Espace réservé du numéro de diapositive 5">
             <a:extLst>
               <a:ext uri="{FF2B5EF4-FFF2-40B4-BE49-F238E27FC236}">
-                <a16:creationId xmlns:a16="http://schemas.microsoft.com/office/drawing/2014/main" id="{B82C45FE-43E3-4FDC-B206-8EBC748878D0}"/>
+                <a16:creationId xmlns:a16="http://schemas.microsoft.com/office/drawing/2014/main" xmlns="" id="{B82C45FE-43E3-4FDC-B206-8EBC748878D0}"/>
               </a:ext>
             </a:extLst>
           </p:cNvPr>
@@ -315,6 +316,7 @@
           <a:p>
             <a:fld id="{162A977B-B564-4F8D-B60F-A8AE9E7D79A5}" type="slidenum">
               <a:rPr lang="en-US" smtClean="0"/>
+              <a:pPr/>
               <a:t>‹N°›</a:t>
             </a:fld>
             <a:endParaRPr lang="en-US"/>
@@ -324,7 +326,7 @@
     </p:spTree>
     <p:extLst>
       <p:ext uri="{BB962C8B-B14F-4D97-AF65-F5344CB8AC3E}">
-        <p14:creationId xmlns:p14="http://schemas.microsoft.com/office/powerpoint/2010/main" val="1555775815"/>
+        <p14:creationId xmlns:p14="http://schemas.microsoft.com/office/powerpoint/2010/main" xmlns="" val="1555775815"/>
       </p:ext>
     </p:extLst>
   </p:cSld>
@@ -356,7 +358,7 @@
           <p:cNvPr id="2" name="Titre 1">
             <a:extLst>
               <a:ext uri="{FF2B5EF4-FFF2-40B4-BE49-F238E27FC236}">
-                <a16:creationId xmlns:a16="http://schemas.microsoft.com/office/drawing/2014/main" id="{529D0656-C7DC-4C0B-8F79-AAC2637BF4E2}"/>
+                <a16:creationId xmlns:a16="http://schemas.microsoft.com/office/drawing/2014/main" xmlns="" id="{529D0656-C7DC-4C0B-8F79-AAC2637BF4E2}"/>
               </a:ext>
             </a:extLst>
           </p:cNvPr>
@@ -385,7 +387,7 @@
           <p:cNvPr id="3" name="Espace réservé du texte vertical 2">
             <a:extLst>
               <a:ext uri="{FF2B5EF4-FFF2-40B4-BE49-F238E27FC236}">
-                <a16:creationId xmlns:a16="http://schemas.microsoft.com/office/drawing/2014/main" id="{1F12850A-9562-40A8-9CC7-8A097F067329}"/>
+                <a16:creationId xmlns:a16="http://schemas.microsoft.com/office/drawing/2014/main" xmlns="" id="{1F12850A-9562-40A8-9CC7-8A097F067329}"/>
               </a:ext>
             </a:extLst>
           </p:cNvPr>
@@ -443,7 +445,7 @@
           <p:cNvPr id="4" name="Espace réservé de la date 3">
             <a:extLst>
               <a:ext uri="{FF2B5EF4-FFF2-40B4-BE49-F238E27FC236}">
-                <a16:creationId xmlns:a16="http://schemas.microsoft.com/office/drawing/2014/main" id="{91A46D60-B823-40C4-A99D-DEC9C6D9C90B}"/>
+                <a16:creationId xmlns:a16="http://schemas.microsoft.com/office/drawing/2014/main" xmlns="" id="{91A46D60-B823-40C4-A99D-DEC9C6D9C90B}"/>
               </a:ext>
             </a:extLst>
           </p:cNvPr>
@@ -461,7 +463,8 @@
           <a:p>
             <a:fld id="{ED5C7432-FE40-43A9-8311-7C7576086946}" type="datetimeFigureOut">
               <a:rPr lang="en-US" smtClean="0"/>
-              <a:t>12/12/2017</a:t>
+              <a:pPr/>
+              <a:t>12/15/2017</a:t>
             </a:fld>
             <a:endParaRPr lang="en-US"/>
           </a:p>
@@ -472,7 +475,7 @@
           <p:cNvPr id="5" name="Espace réservé du pied de page 4">
             <a:extLst>
               <a:ext uri="{FF2B5EF4-FFF2-40B4-BE49-F238E27FC236}">
-                <a16:creationId xmlns:a16="http://schemas.microsoft.com/office/drawing/2014/main" id="{111D7BA0-F5A2-466F-8F6F-73AE3F658482}"/>
+                <a16:creationId xmlns:a16="http://schemas.microsoft.com/office/drawing/2014/main" xmlns="" id="{111D7BA0-F5A2-466F-8F6F-73AE3F658482}"/>
               </a:ext>
             </a:extLst>
           </p:cNvPr>
@@ -497,7 +500,7 @@
           <p:cNvPr id="6" name="Espace réservé du numéro de diapositive 5">
             <a:extLst>
               <a:ext uri="{FF2B5EF4-FFF2-40B4-BE49-F238E27FC236}">
-                <a16:creationId xmlns:a16="http://schemas.microsoft.com/office/drawing/2014/main" id="{3AD3F38E-C587-4CD0-B93C-47173894D5A1}"/>
+                <a16:creationId xmlns:a16="http://schemas.microsoft.com/office/drawing/2014/main" xmlns="" id="{3AD3F38E-C587-4CD0-B93C-47173894D5A1}"/>
               </a:ext>
             </a:extLst>
           </p:cNvPr>
@@ -515,6 +518,7 @@
           <a:p>
             <a:fld id="{162A977B-B564-4F8D-B60F-A8AE9E7D79A5}" type="slidenum">
               <a:rPr lang="en-US" smtClean="0"/>
+              <a:pPr/>
               <a:t>‹N°›</a:t>
             </a:fld>
             <a:endParaRPr lang="en-US"/>
@@ -524,7 +528,7 @@
     </p:spTree>
     <p:extLst>
       <p:ext uri="{BB962C8B-B14F-4D97-AF65-F5344CB8AC3E}">
-        <p14:creationId xmlns:p14="http://schemas.microsoft.com/office/powerpoint/2010/main" val="3129090435"/>
+        <p14:creationId xmlns:p14="http://schemas.microsoft.com/office/powerpoint/2010/main" xmlns="" val="3129090435"/>
       </p:ext>
     </p:extLst>
   </p:cSld>
@@ -556,7 +560,7 @@
           <p:cNvPr id="2" name="Titre vertical 1">
             <a:extLst>
               <a:ext uri="{FF2B5EF4-FFF2-40B4-BE49-F238E27FC236}">
-                <a16:creationId xmlns:a16="http://schemas.microsoft.com/office/drawing/2014/main" id="{3E2AAF9E-D7E1-4F1B-8F24-77F9311FFF35}"/>
+                <a16:creationId xmlns:a16="http://schemas.microsoft.com/office/drawing/2014/main" xmlns="" id="{3E2AAF9E-D7E1-4F1B-8F24-77F9311FFF35}"/>
               </a:ext>
             </a:extLst>
           </p:cNvPr>
@@ -590,7 +594,7 @@
           <p:cNvPr id="3" name="Espace réservé du texte vertical 2">
             <a:extLst>
               <a:ext uri="{FF2B5EF4-FFF2-40B4-BE49-F238E27FC236}">
-                <a16:creationId xmlns:a16="http://schemas.microsoft.com/office/drawing/2014/main" id="{E172DABA-9974-4E86-9C49-543E485BE02F}"/>
+                <a16:creationId xmlns:a16="http://schemas.microsoft.com/office/drawing/2014/main" xmlns="" id="{E172DABA-9974-4E86-9C49-543E485BE02F}"/>
               </a:ext>
             </a:extLst>
           </p:cNvPr>
@@ -653,7 +657,7 @@
           <p:cNvPr id="4" name="Espace réservé de la date 3">
             <a:extLst>
               <a:ext uri="{FF2B5EF4-FFF2-40B4-BE49-F238E27FC236}">
-                <a16:creationId xmlns:a16="http://schemas.microsoft.com/office/drawing/2014/main" id="{18EA3213-6ECC-4A5A-93E4-79362D50BAF6}"/>
+                <a16:creationId xmlns:a16="http://schemas.microsoft.com/office/drawing/2014/main" xmlns="" id="{18EA3213-6ECC-4A5A-93E4-79362D50BAF6}"/>
               </a:ext>
             </a:extLst>
           </p:cNvPr>
@@ -671,7 +675,8 @@
           <a:p>
             <a:fld id="{ED5C7432-FE40-43A9-8311-7C7576086946}" type="datetimeFigureOut">
               <a:rPr lang="en-US" smtClean="0"/>
-              <a:t>12/12/2017</a:t>
+              <a:pPr/>
+              <a:t>12/15/2017</a:t>
             </a:fld>
             <a:endParaRPr lang="en-US"/>
           </a:p>
@@ -682,7 +687,7 @@
           <p:cNvPr id="5" name="Espace réservé du pied de page 4">
             <a:extLst>
               <a:ext uri="{FF2B5EF4-FFF2-40B4-BE49-F238E27FC236}">
-                <a16:creationId xmlns:a16="http://schemas.microsoft.com/office/drawing/2014/main" id="{9D99F0DE-75A2-4881-95E3-5B805E940F45}"/>
+                <a16:creationId xmlns:a16="http://schemas.microsoft.com/office/drawing/2014/main" xmlns="" id="{9D99F0DE-75A2-4881-95E3-5B805E940F45}"/>
               </a:ext>
             </a:extLst>
           </p:cNvPr>
@@ -707,7 +712,7 @@
           <p:cNvPr id="6" name="Espace réservé du numéro de diapositive 5">
             <a:extLst>
               <a:ext uri="{FF2B5EF4-FFF2-40B4-BE49-F238E27FC236}">
-                <a16:creationId xmlns:a16="http://schemas.microsoft.com/office/drawing/2014/main" id="{CFE58ED0-0802-4ACD-AD8B-B618A6CA72F4}"/>
+                <a16:creationId xmlns:a16="http://schemas.microsoft.com/office/drawing/2014/main" xmlns="" id="{CFE58ED0-0802-4ACD-AD8B-B618A6CA72F4}"/>
               </a:ext>
             </a:extLst>
           </p:cNvPr>
@@ -725,6 +730,7 @@
           <a:p>
             <a:fld id="{162A977B-B564-4F8D-B60F-A8AE9E7D79A5}" type="slidenum">
               <a:rPr lang="en-US" smtClean="0"/>
+              <a:pPr/>
               <a:t>‹N°›</a:t>
             </a:fld>
             <a:endParaRPr lang="en-US"/>
@@ -734,7 +740,7 @@
     </p:spTree>
     <p:extLst>
       <p:ext uri="{BB962C8B-B14F-4D97-AF65-F5344CB8AC3E}">
-        <p14:creationId xmlns:p14="http://schemas.microsoft.com/office/powerpoint/2010/main" val="2765490620"/>
+        <p14:creationId xmlns:p14="http://schemas.microsoft.com/office/powerpoint/2010/main" xmlns="" val="2765490620"/>
       </p:ext>
     </p:extLst>
   </p:cSld>
@@ -766,7 +772,7 @@
           <p:cNvPr id="2" name="Titre 1">
             <a:extLst>
               <a:ext uri="{FF2B5EF4-FFF2-40B4-BE49-F238E27FC236}">
-                <a16:creationId xmlns:a16="http://schemas.microsoft.com/office/drawing/2014/main" id="{439308C0-0DCE-4D4C-89F6-0E92CBC29A31}"/>
+                <a16:creationId xmlns:a16="http://schemas.microsoft.com/office/drawing/2014/main" xmlns="" id="{439308C0-0DCE-4D4C-89F6-0E92CBC29A31}"/>
               </a:ext>
             </a:extLst>
           </p:cNvPr>
@@ -795,7 +801,7 @@
           <p:cNvPr id="3" name="Espace réservé du contenu 2">
             <a:extLst>
               <a:ext uri="{FF2B5EF4-FFF2-40B4-BE49-F238E27FC236}">
-                <a16:creationId xmlns:a16="http://schemas.microsoft.com/office/drawing/2014/main" id="{4590A45A-269B-40D1-8EE9-4069A7270752}"/>
+                <a16:creationId xmlns:a16="http://schemas.microsoft.com/office/drawing/2014/main" xmlns="" id="{4590A45A-269B-40D1-8EE9-4069A7270752}"/>
               </a:ext>
             </a:extLst>
           </p:cNvPr>
@@ -853,7 +859,7 @@
           <p:cNvPr id="4" name="Espace réservé de la date 3">
             <a:extLst>
               <a:ext uri="{FF2B5EF4-FFF2-40B4-BE49-F238E27FC236}">
-                <a16:creationId xmlns:a16="http://schemas.microsoft.com/office/drawing/2014/main" id="{54F25935-A2A5-443E-803A-BBE62C38F36F}"/>
+                <a16:creationId xmlns:a16="http://schemas.microsoft.com/office/drawing/2014/main" xmlns="" id="{54F25935-A2A5-443E-803A-BBE62C38F36F}"/>
               </a:ext>
             </a:extLst>
           </p:cNvPr>
@@ -871,7 +877,8 @@
           <a:p>
             <a:fld id="{ED5C7432-FE40-43A9-8311-7C7576086946}" type="datetimeFigureOut">
               <a:rPr lang="en-US" smtClean="0"/>
-              <a:t>12/12/2017</a:t>
+              <a:pPr/>
+              <a:t>12/15/2017</a:t>
             </a:fld>
             <a:endParaRPr lang="en-US"/>
           </a:p>
@@ -882,7 +889,7 @@
           <p:cNvPr id="5" name="Espace réservé du pied de page 4">
             <a:extLst>
               <a:ext uri="{FF2B5EF4-FFF2-40B4-BE49-F238E27FC236}">
-                <a16:creationId xmlns:a16="http://schemas.microsoft.com/office/drawing/2014/main" id="{06C3CD2D-B00E-4235-8CCF-CF1FB16ACDA7}"/>
+                <a16:creationId xmlns:a16="http://schemas.microsoft.com/office/drawing/2014/main" xmlns="" id="{06C3CD2D-B00E-4235-8CCF-CF1FB16ACDA7}"/>
               </a:ext>
             </a:extLst>
           </p:cNvPr>
@@ -907,7 +914,7 @@
           <p:cNvPr id="6" name="Espace réservé du numéro de diapositive 5">
             <a:extLst>
               <a:ext uri="{FF2B5EF4-FFF2-40B4-BE49-F238E27FC236}">
-                <a16:creationId xmlns:a16="http://schemas.microsoft.com/office/drawing/2014/main" id="{B295B33A-BD72-40D1-8EAF-C023461D16E5}"/>
+                <a16:creationId xmlns:a16="http://schemas.microsoft.com/office/drawing/2014/main" xmlns="" id="{B295B33A-BD72-40D1-8EAF-C023461D16E5}"/>
               </a:ext>
             </a:extLst>
           </p:cNvPr>
@@ -925,6 +932,7 @@
           <a:p>
             <a:fld id="{162A977B-B564-4F8D-B60F-A8AE9E7D79A5}" type="slidenum">
               <a:rPr lang="en-US" smtClean="0"/>
+              <a:pPr/>
               <a:t>‹N°›</a:t>
             </a:fld>
             <a:endParaRPr lang="en-US"/>
@@ -934,7 +942,7 @@
     </p:spTree>
     <p:extLst>
       <p:ext uri="{BB962C8B-B14F-4D97-AF65-F5344CB8AC3E}">
-        <p14:creationId xmlns:p14="http://schemas.microsoft.com/office/powerpoint/2010/main" val="2428044015"/>
+        <p14:creationId xmlns:p14="http://schemas.microsoft.com/office/powerpoint/2010/main" xmlns="" val="2428044015"/>
       </p:ext>
     </p:extLst>
   </p:cSld>
@@ -966,7 +974,7 @@
           <p:cNvPr id="2" name="Titre 1">
             <a:extLst>
               <a:ext uri="{FF2B5EF4-FFF2-40B4-BE49-F238E27FC236}">
-                <a16:creationId xmlns:a16="http://schemas.microsoft.com/office/drawing/2014/main" id="{14820563-EEB4-4206-BD94-C72A16D2B5DF}"/>
+                <a16:creationId xmlns:a16="http://schemas.microsoft.com/office/drawing/2014/main" xmlns="" id="{14820563-EEB4-4206-BD94-C72A16D2B5DF}"/>
               </a:ext>
             </a:extLst>
           </p:cNvPr>
@@ -1004,7 +1012,7 @@
           <p:cNvPr id="3" name="Espace réservé du texte 2">
             <a:extLst>
               <a:ext uri="{FF2B5EF4-FFF2-40B4-BE49-F238E27FC236}">
-                <a16:creationId xmlns:a16="http://schemas.microsoft.com/office/drawing/2014/main" id="{0C442F5E-BAAE-4722-99A7-CD5ED8959D18}"/>
+                <a16:creationId xmlns:a16="http://schemas.microsoft.com/office/drawing/2014/main" xmlns="" id="{0C442F5E-BAAE-4722-99A7-CD5ED8959D18}"/>
               </a:ext>
             </a:extLst>
           </p:cNvPr>
@@ -1129,7 +1137,7 @@
           <p:cNvPr id="4" name="Espace réservé de la date 3">
             <a:extLst>
               <a:ext uri="{FF2B5EF4-FFF2-40B4-BE49-F238E27FC236}">
-                <a16:creationId xmlns:a16="http://schemas.microsoft.com/office/drawing/2014/main" id="{6F4C4260-D3FC-4F50-956A-914FE4AE6BF0}"/>
+                <a16:creationId xmlns:a16="http://schemas.microsoft.com/office/drawing/2014/main" xmlns="" id="{6F4C4260-D3FC-4F50-956A-914FE4AE6BF0}"/>
               </a:ext>
             </a:extLst>
           </p:cNvPr>
@@ -1147,7 +1155,8 @@
           <a:p>
             <a:fld id="{ED5C7432-FE40-43A9-8311-7C7576086946}" type="datetimeFigureOut">
               <a:rPr lang="en-US" smtClean="0"/>
-              <a:t>12/12/2017</a:t>
+              <a:pPr/>
+              <a:t>12/15/2017</a:t>
             </a:fld>
             <a:endParaRPr lang="en-US"/>
           </a:p>
@@ -1158,7 +1167,7 @@
           <p:cNvPr id="5" name="Espace réservé du pied de page 4">
             <a:extLst>
               <a:ext uri="{FF2B5EF4-FFF2-40B4-BE49-F238E27FC236}">
-                <a16:creationId xmlns:a16="http://schemas.microsoft.com/office/drawing/2014/main" id="{E11E9CB1-D147-4FC6-BC4B-4D9F5261FF31}"/>
+                <a16:creationId xmlns:a16="http://schemas.microsoft.com/office/drawing/2014/main" xmlns="" id="{E11E9CB1-D147-4FC6-BC4B-4D9F5261FF31}"/>
               </a:ext>
             </a:extLst>
           </p:cNvPr>
@@ -1183,7 +1192,7 @@
           <p:cNvPr id="6" name="Espace réservé du numéro de diapositive 5">
             <a:extLst>
               <a:ext uri="{FF2B5EF4-FFF2-40B4-BE49-F238E27FC236}">
-                <a16:creationId xmlns:a16="http://schemas.microsoft.com/office/drawing/2014/main" id="{DDCC7EBF-C350-4D0F-B2DA-9827EA73D332}"/>
+                <a16:creationId xmlns:a16="http://schemas.microsoft.com/office/drawing/2014/main" xmlns="" id="{DDCC7EBF-C350-4D0F-B2DA-9827EA73D332}"/>
               </a:ext>
             </a:extLst>
           </p:cNvPr>
@@ -1201,6 +1210,7 @@
           <a:p>
             <a:fld id="{162A977B-B564-4F8D-B60F-A8AE9E7D79A5}" type="slidenum">
               <a:rPr lang="en-US" smtClean="0"/>
+              <a:pPr/>
               <a:t>‹N°›</a:t>
             </a:fld>
             <a:endParaRPr lang="en-US"/>
@@ -1210,7 +1220,7 @@
     </p:spTree>
     <p:extLst>
       <p:ext uri="{BB962C8B-B14F-4D97-AF65-F5344CB8AC3E}">
-        <p14:creationId xmlns:p14="http://schemas.microsoft.com/office/powerpoint/2010/main" val="3775812945"/>
+        <p14:creationId xmlns:p14="http://schemas.microsoft.com/office/powerpoint/2010/main" xmlns="" val="3775812945"/>
       </p:ext>
     </p:extLst>
   </p:cSld>
@@ -1242,7 +1252,7 @@
           <p:cNvPr id="2" name="Titre 1">
             <a:extLst>
               <a:ext uri="{FF2B5EF4-FFF2-40B4-BE49-F238E27FC236}">
-                <a16:creationId xmlns:a16="http://schemas.microsoft.com/office/drawing/2014/main" id="{0EA6DA23-2AFE-4505-BB15-E124C11B47C6}"/>
+                <a16:creationId xmlns:a16="http://schemas.microsoft.com/office/drawing/2014/main" xmlns="" id="{0EA6DA23-2AFE-4505-BB15-E124C11B47C6}"/>
               </a:ext>
             </a:extLst>
           </p:cNvPr>
@@ -1271,7 +1281,7 @@
           <p:cNvPr id="3" name="Espace réservé du contenu 2">
             <a:extLst>
               <a:ext uri="{FF2B5EF4-FFF2-40B4-BE49-F238E27FC236}">
-                <a16:creationId xmlns:a16="http://schemas.microsoft.com/office/drawing/2014/main" id="{7733BFA7-DBE6-433F-9D72-778675E1D654}"/>
+                <a16:creationId xmlns:a16="http://schemas.microsoft.com/office/drawing/2014/main" xmlns="" id="{7733BFA7-DBE6-433F-9D72-778675E1D654}"/>
               </a:ext>
             </a:extLst>
           </p:cNvPr>
@@ -1334,7 +1344,7 @@
           <p:cNvPr id="4" name="Espace réservé du contenu 3">
             <a:extLst>
               <a:ext uri="{FF2B5EF4-FFF2-40B4-BE49-F238E27FC236}">
-                <a16:creationId xmlns:a16="http://schemas.microsoft.com/office/drawing/2014/main" id="{3EF9761F-F000-4B94-8035-47E2B4FE84ED}"/>
+                <a16:creationId xmlns:a16="http://schemas.microsoft.com/office/drawing/2014/main" xmlns="" id="{3EF9761F-F000-4B94-8035-47E2B4FE84ED}"/>
               </a:ext>
             </a:extLst>
           </p:cNvPr>
@@ -1397,7 +1407,7 @@
           <p:cNvPr id="5" name="Espace réservé de la date 4">
             <a:extLst>
               <a:ext uri="{FF2B5EF4-FFF2-40B4-BE49-F238E27FC236}">
-                <a16:creationId xmlns:a16="http://schemas.microsoft.com/office/drawing/2014/main" id="{F512C4FC-1078-4F40-B8A7-8DD77DBC58FA}"/>
+                <a16:creationId xmlns:a16="http://schemas.microsoft.com/office/drawing/2014/main" xmlns="" id="{F512C4FC-1078-4F40-B8A7-8DD77DBC58FA}"/>
               </a:ext>
             </a:extLst>
           </p:cNvPr>
@@ -1415,7 +1425,8 @@
           <a:p>
             <a:fld id="{ED5C7432-FE40-43A9-8311-7C7576086946}" type="datetimeFigureOut">
               <a:rPr lang="en-US" smtClean="0"/>
-              <a:t>12/12/2017</a:t>
+              <a:pPr/>
+              <a:t>12/15/2017</a:t>
             </a:fld>
             <a:endParaRPr lang="en-US"/>
           </a:p>
@@ -1426,7 +1437,7 @@
           <p:cNvPr id="6" name="Espace réservé du pied de page 5">
             <a:extLst>
               <a:ext uri="{FF2B5EF4-FFF2-40B4-BE49-F238E27FC236}">
-                <a16:creationId xmlns:a16="http://schemas.microsoft.com/office/drawing/2014/main" id="{83AB2CCB-2F28-40BF-B9A8-0A79B303C189}"/>
+                <a16:creationId xmlns:a16="http://schemas.microsoft.com/office/drawing/2014/main" xmlns="" id="{83AB2CCB-2F28-40BF-B9A8-0A79B303C189}"/>
               </a:ext>
             </a:extLst>
           </p:cNvPr>
@@ -1451,7 +1462,7 @@
           <p:cNvPr id="7" name="Espace réservé du numéro de diapositive 6">
             <a:extLst>
               <a:ext uri="{FF2B5EF4-FFF2-40B4-BE49-F238E27FC236}">
-                <a16:creationId xmlns:a16="http://schemas.microsoft.com/office/drawing/2014/main" id="{626BB29E-7DC8-43A1-A8F3-F489C0652A49}"/>
+                <a16:creationId xmlns:a16="http://schemas.microsoft.com/office/drawing/2014/main" xmlns="" id="{626BB29E-7DC8-43A1-A8F3-F489C0652A49}"/>
               </a:ext>
             </a:extLst>
           </p:cNvPr>
@@ -1469,6 +1480,7 @@
           <a:p>
             <a:fld id="{162A977B-B564-4F8D-B60F-A8AE9E7D79A5}" type="slidenum">
               <a:rPr lang="en-US" smtClean="0"/>
+              <a:pPr/>
               <a:t>‹N°›</a:t>
             </a:fld>
             <a:endParaRPr lang="en-US"/>
@@ -1478,7 +1490,7 @@
     </p:spTree>
     <p:extLst>
       <p:ext uri="{BB962C8B-B14F-4D97-AF65-F5344CB8AC3E}">
-        <p14:creationId xmlns:p14="http://schemas.microsoft.com/office/powerpoint/2010/main" val="3510706109"/>
+        <p14:creationId xmlns:p14="http://schemas.microsoft.com/office/powerpoint/2010/main" xmlns="" val="3510706109"/>
       </p:ext>
     </p:extLst>
   </p:cSld>
@@ -1510,7 +1522,7 @@
           <p:cNvPr id="2" name="Titre 1">
             <a:extLst>
               <a:ext uri="{FF2B5EF4-FFF2-40B4-BE49-F238E27FC236}">
-                <a16:creationId xmlns:a16="http://schemas.microsoft.com/office/drawing/2014/main" id="{1B141630-642D-48E7-8BC5-862EFC76B117}"/>
+                <a16:creationId xmlns:a16="http://schemas.microsoft.com/office/drawing/2014/main" xmlns="" id="{1B141630-642D-48E7-8BC5-862EFC76B117}"/>
               </a:ext>
             </a:extLst>
           </p:cNvPr>
@@ -1544,7 +1556,7 @@
           <p:cNvPr id="3" name="Espace réservé du texte 2">
             <a:extLst>
               <a:ext uri="{FF2B5EF4-FFF2-40B4-BE49-F238E27FC236}">
-                <a16:creationId xmlns:a16="http://schemas.microsoft.com/office/drawing/2014/main" id="{23E865FB-456B-4FB9-A0CA-A50F9233318D}"/>
+                <a16:creationId xmlns:a16="http://schemas.microsoft.com/office/drawing/2014/main" xmlns="" id="{23E865FB-456B-4FB9-A0CA-A50F9233318D}"/>
               </a:ext>
             </a:extLst>
           </p:cNvPr>
@@ -1615,7 +1627,7 @@
           <p:cNvPr id="4" name="Espace réservé du contenu 3">
             <a:extLst>
               <a:ext uri="{FF2B5EF4-FFF2-40B4-BE49-F238E27FC236}">
-                <a16:creationId xmlns:a16="http://schemas.microsoft.com/office/drawing/2014/main" id="{AB6A5595-2DF4-41B4-B893-3EF283763DF0}"/>
+                <a16:creationId xmlns:a16="http://schemas.microsoft.com/office/drawing/2014/main" xmlns="" id="{AB6A5595-2DF4-41B4-B893-3EF283763DF0}"/>
               </a:ext>
             </a:extLst>
           </p:cNvPr>
@@ -1678,7 +1690,7 @@
           <p:cNvPr id="5" name="Espace réservé du texte 4">
             <a:extLst>
               <a:ext uri="{FF2B5EF4-FFF2-40B4-BE49-F238E27FC236}">
-                <a16:creationId xmlns:a16="http://schemas.microsoft.com/office/drawing/2014/main" id="{4413A7D0-4752-4F44-A0CC-4310979128B6}"/>
+                <a16:creationId xmlns:a16="http://schemas.microsoft.com/office/drawing/2014/main" xmlns="" id="{4413A7D0-4752-4F44-A0CC-4310979128B6}"/>
               </a:ext>
             </a:extLst>
           </p:cNvPr>
@@ -1749,7 +1761,7 @@
           <p:cNvPr id="6" name="Espace réservé du contenu 5">
             <a:extLst>
               <a:ext uri="{FF2B5EF4-FFF2-40B4-BE49-F238E27FC236}">
-                <a16:creationId xmlns:a16="http://schemas.microsoft.com/office/drawing/2014/main" id="{2B98F3F3-3365-4E16-8B31-768072F9D273}"/>
+                <a16:creationId xmlns:a16="http://schemas.microsoft.com/office/drawing/2014/main" xmlns="" id="{2B98F3F3-3365-4E16-8B31-768072F9D273}"/>
               </a:ext>
             </a:extLst>
           </p:cNvPr>
@@ -1812,7 +1824,7 @@
           <p:cNvPr id="7" name="Espace réservé de la date 6">
             <a:extLst>
               <a:ext uri="{FF2B5EF4-FFF2-40B4-BE49-F238E27FC236}">
-                <a16:creationId xmlns:a16="http://schemas.microsoft.com/office/drawing/2014/main" id="{1BBFC69E-6B02-4CC3-BD0E-4B8EEA202ECD}"/>
+                <a16:creationId xmlns:a16="http://schemas.microsoft.com/office/drawing/2014/main" xmlns="" id="{1BBFC69E-6B02-4CC3-BD0E-4B8EEA202ECD}"/>
               </a:ext>
             </a:extLst>
           </p:cNvPr>
@@ -1830,7 +1842,8 @@
           <a:p>
             <a:fld id="{ED5C7432-FE40-43A9-8311-7C7576086946}" type="datetimeFigureOut">
               <a:rPr lang="en-US" smtClean="0"/>
-              <a:t>12/12/2017</a:t>
+              <a:pPr/>
+              <a:t>12/15/2017</a:t>
             </a:fld>
             <a:endParaRPr lang="en-US"/>
           </a:p>
@@ -1841,7 +1854,7 @@
           <p:cNvPr id="8" name="Espace réservé du pied de page 7">
             <a:extLst>
               <a:ext uri="{FF2B5EF4-FFF2-40B4-BE49-F238E27FC236}">
-                <a16:creationId xmlns:a16="http://schemas.microsoft.com/office/drawing/2014/main" id="{7801A62A-E42D-4F73-8B16-7AC43DDF6BC5}"/>
+                <a16:creationId xmlns:a16="http://schemas.microsoft.com/office/drawing/2014/main" xmlns="" id="{7801A62A-E42D-4F73-8B16-7AC43DDF6BC5}"/>
               </a:ext>
             </a:extLst>
           </p:cNvPr>
@@ -1866,7 +1879,7 @@
           <p:cNvPr id="9" name="Espace réservé du numéro de diapositive 8">
             <a:extLst>
               <a:ext uri="{FF2B5EF4-FFF2-40B4-BE49-F238E27FC236}">
-                <a16:creationId xmlns:a16="http://schemas.microsoft.com/office/drawing/2014/main" id="{FC232445-F9DE-45F6-90DD-E39A3D0A00BD}"/>
+                <a16:creationId xmlns:a16="http://schemas.microsoft.com/office/drawing/2014/main" xmlns="" id="{FC232445-F9DE-45F6-90DD-E39A3D0A00BD}"/>
               </a:ext>
             </a:extLst>
           </p:cNvPr>
@@ -1884,6 +1897,7 @@
           <a:p>
             <a:fld id="{162A977B-B564-4F8D-B60F-A8AE9E7D79A5}" type="slidenum">
               <a:rPr lang="en-US" smtClean="0"/>
+              <a:pPr/>
               <a:t>‹N°›</a:t>
             </a:fld>
             <a:endParaRPr lang="en-US"/>
@@ -1893,7 +1907,7 @@
     </p:spTree>
     <p:extLst>
       <p:ext uri="{BB962C8B-B14F-4D97-AF65-F5344CB8AC3E}">
-        <p14:creationId xmlns:p14="http://schemas.microsoft.com/office/powerpoint/2010/main" val="3536583265"/>
+        <p14:creationId xmlns:p14="http://schemas.microsoft.com/office/powerpoint/2010/main" xmlns="" val="3536583265"/>
       </p:ext>
     </p:extLst>
   </p:cSld>
@@ -1925,7 +1939,7 @@
           <p:cNvPr id="2" name="Titre 1">
             <a:extLst>
               <a:ext uri="{FF2B5EF4-FFF2-40B4-BE49-F238E27FC236}">
-                <a16:creationId xmlns:a16="http://schemas.microsoft.com/office/drawing/2014/main" id="{CC71C92B-903A-4298-9B78-6C9BB1A3E145}"/>
+                <a16:creationId xmlns:a16="http://schemas.microsoft.com/office/drawing/2014/main" xmlns="" id="{CC71C92B-903A-4298-9B78-6C9BB1A3E145}"/>
               </a:ext>
             </a:extLst>
           </p:cNvPr>
@@ -1954,7 +1968,7 @@
           <p:cNvPr id="3" name="Espace réservé de la date 2">
             <a:extLst>
               <a:ext uri="{FF2B5EF4-FFF2-40B4-BE49-F238E27FC236}">
-                <a16:creationId xmlns:a16="http://schemas.microsoft.com/office/drawing/2014/main" id="{AEE45274-ADC7-41F4-A5EA-950FB19FAECC}"/>
+                <a16:creationId xmlns:a16="http://schemas.microsoft.com/office/drawing/2014/main" xmlns="" id="{AEE45274-ADC7-41F4-A5EA-950FB19FAECC}"/>
               </a:ext>
             </a:extLst>
           </p:cNvPr>
@@ -1972,7 +1986,8 @@
           <a:p>
             <a:fld id="{ED5C7432-FE40-43A9-8311-7C7576086946}" type="datetimeFigureOut">
               <a:rPr lang="en-US" smtClean="0"/>
-              <a:t>12/12/2017</a:t>
+              <a:pPr/>
+              <a:t>12/15/2017</a:t>
             </a:fld>
             <a:endParaRPr lang="en-US"/>
           </a:p>
@@ -1983,7 +1998,7 @@
           <p:cNvPr id="4" name="Espace réservé du pied de page 3">
             <a:extLst>
               <a:ext uri="{FF2B5EF4-FFF2-40B4-BE49-F238E27FC236}">
-                <a16:creationId xmlns:a16="http://schemas.microsoft.com/office/drawing/2014/main" id="{967A7520-4192-44F0-A3F4-813A772A79F9}"/>
+                <a16:creationId xmlns:a16="http://schemas.microsoft.com/office/drawing/2014/main" xmlns="" id="{967A7520-4192-44F0-A3F4-813A772A79F9}"/>
               </a:ext>
             </a:extLst>
           </p:cNvPr>
@@ -2008,7 +2023,7 @@
           <p:cNvPr id="5" name="Espace réservé du numéro de diapositive 4">
             <a:extLst>
               <a:ext uri="{FF2B5EF4-FFF2-40B4-BE49-F238E27FC236}">
-                <a16:creationId xmlns:a16="http://schemas.microsoft.com/office/drawing/2014/main" id="{411B7835-5E35-4AE7-BBEF-65BB286228CE}"/>
+                <a16:creationId xmlns:a16="http://schemas.microsoft.com/office/drawing/2014/main" xmlns="" id="{411B7835-5E35-4AE7-BBEF-65BB286228CE}"/>
               </a:ext>
             </a:extLst>
           </p:cNvPr>
@@ -2026,6 +2041,7 @@
           <a:p>
             <a:fld id="{162A977B-B564-4F8D-B60F-A8AE9E7D79A5}" type="slidenum">
               <a:rPr lang="en-US" smtClean="0"/>
+              <a:pPr/>
               <a:t>‹N°›</a:t>
             </a:fld>
             <a:endParaRPr lang="en-US"/>
@@ -2035,7 +2051,7 @@
     </p:spTree>
     <p:extLst>
       <p:ext uri="{BB962C8B-B14F-4D97-AF65-F5344CB8AC3E}">
-        <p14:creationId xmlns:p14="http://schemas.microsoft.com/office/powerpoint/2010/main" val="2341034867"/>
+        <p14:creationId xmlns:p14="http://schemas.microsoft.com/office/powerpoint/2010/main" xmlns="" val="2341034867"/>
       </p:ext>
     </p:extLst>
   </p:cSld>
@@ -2067,7 +2083,7 @@
           <p:cNvPr id="2" name="Espace réservé de la date 1">
             <a:extLst>
               <a:ext uri="{FF2B5EF4-FFF2-40B4-BE49-F238E27FC236}">
-                <a16:creationId xmlns:a16="http://schemas.microsoft.com/office/drawing/2014/main" id="{41FEC729-AA87-43F6-9106-9BD7251FC80A}"/>
+                <a16:creationId xmlns:a16="http://schemas.microsoft.com/office/drawing/2014/main" xmlns="" id="{41FEC729-AA87-43F6-9106-9BD7251FC80A}"/>
               </a:ext>
             </a:extLst>
           </p:cNvPr>
@@ -2085,7 +2101,8 @@
           <a:p>
             <a:fld id="{ED5C7432-FE40-43A9-8311-7C7576086946}" type="datetimeFigureOut">
               <a:rPr lang="en-US" smtClean="0"/>
-              <a:t>12/12/2017</a:t>
+              <a:pPr/>
+              <a:t>12/15/2017</a:t>
             </a:fld>
             <a:endParaRPr lang="en-US"/>
           </a:p>
@@ -2096,7 +2113,7 @@
           <p:cNvPr id="3" name="Espace réservé du pied de page 2">
             <a:extLst>
               <a:ext uri="{FF2B5EF4-FFF2-40B4-BE49-F238E27FC236}">
-                <a16:creationId xmlns:a16="http://schemas.microsoft.com/office/drawing/2014/main" id="{A79879CC-66AD-423B-9F82-FAE1823E5A9A}"/>
+                <a16:creationId xmlns:a16="http://schemas.microsoft.com/office/drawing/2014/main" xmlns="" id="{A79879CC-66AD-423B-9F82-FAE1823E5A9A}"/>
               </a:ext>
             </a:extLst>
           </p:cNvPr>
@@ -2121,7 +2138,7 @@
           <p:cNvPr id="4" name="Espace réservé du numéro de diapositive 3">
             <a:extLst>
               <a:ext uri="{FF2B5EF4-FFF2-40B4-BE49-F238E27FC236}">
-                <a16:creationId xmlns:a16="http://schemas.microsoft.com/office/drawing/2014/main" id="{10B85ADE-98FB-40E7-992E-45C42CD1684C}"/>
+                <a16:creationId xmlns:a16="http://schemas.microsoft.com/office/drawing/2014/main" xmlns="" id="{10B85ADE-98FB-40E7-992E-45C42CD1684C}"/>
               </a:ext>
             </a:extLst>
           </p:cNvPr>
@@ -2139,6 +2156,7 @@
           <a:p>
             <a:fld id="{162A977B-B564-4F8D-B60F-A8AE9E7D79A5}" type="slidenum">
               <a:rPr lang="en-US" smtClean="0"/>
+              <a:pPr/>
               <a:t>‹N°›</a:t>
             </a:fld>
             <a:endParaRPr lang="en-US"/>
@@ -2148,7 +2166,7 @@
     </p:spTree>
     <p:extLst>
       <p:ext uri="{BB962C8B-B14F-4D97-AF65-F5344CB8AC3E}">
-        <p14:creationId xmlns:p14="http://schemas.microsoft.com/office/powerpoint/2010/main" val="3949229631"/>
+        <p14:creationId xmlns:p14="http://schemas.microsoft.com/office/powerpoint/2010/main" xmlns="" val="3949229631"/>
       </p:ext>
     </p:extLst>
   </p:cSld>
@@ -2180,7 +2198,7 @@
           <p:cNvPr id="2" name="Titre 1">
             <a:extLst>
               <a:ext uri="{FF2B5EF4-FFF2-40B4-BE49-F238E27FC236}">
-                <a16:creationId xmlns:a16="http://schemas.microsoft.com/office/drawing/2014/main" id="{F3262CCD-5FB3-41E5-AA3E-A1D930643E61}"/>
+                <a16:creationId xmlns:a16="http://schemas.microsoft.com/office/drawing/2014/main" xmlns="" id="{F3262CCD-5FB3-41E5-AA3E-A1D930643E61}"/>
               </a:ext>
             </a:extLst>
           </p:cNvPr>
@@ -2218,7 +2236,7 @@
           <p:cNvPr id="3" name="Espace réservé du contenu 2">
             <a:extLst>
               <a:ext uri="{FF2B5EF4-FFF2-40B4-BE49-F238E27FC236}">
-                <a16:creationId xmlns:a16="http://schemas.microsoft.com/office/drawing/2014/main" id="{AA1E3E47-AAB8-4109-9D6E-666471E2C1D0}"/>
+                <a16:creationId xmlns:a16="http://schemas.microsoft.com/office/drawing/2014/main" xmlns="" id="{AA1E3E47-AAB8-4109-9D6E-666471E2C1D0}"/>
               </a:ext>
             </a:extLst>
           </p:cNvPr>
@@ -2309,7 +2327,7 @@
           <p:cNvPr id="4" name="Espace réservé du texte 3">
             <a:extLst>
               <a:ext uri="{FF2B5EF4-FFF2-40B4-BE49-F238E27FC236}">
-                <a16:creationId xmlns:a16="http://schemas.microsoft.com/office/drawing/2014/main" id="{E101EF87-036B-4F15-BA26-ADDD28DC5CE4}"/>
+                <a16:creationId xmlns:a16="http://schemas.microsoft.com/office/drawing/2014/main" xmlns="" id="{E101EF87-036B-4F15-BA26-ADDD28DC5CE4}"/>
               </a:ext>
             </a:extLst>
           </p:cNvPr>
@@ -2380,7 +2398,7 @@
           <p:cNvPr id="5" name="Espace réservé de la date 4">
             <a:extLst>
               <a:ext uri="{FF2B5EF4-FFF2-40B4-BE49-F238E27FC236}">
-                <a16:creationId xmlns:a16="http://schemas.microsoft.com/office/drawing/2014/main" id="{4D84288E-6BD4-4339-90EF-5B6DC012D0ED}"/>
+                <a16:creationId xmlns:a16="http://schemas.microsoft.com/office/drawing/2014/main" xmlns="" id="{4D84288E-6BD4-4339-90EF-5B6DC012D0ED}"/>
               </a:ext>
             </a:extLst>
           </p:cNvPr>
@@ -2398,7 +2416,8 @@
           <a:p>
             <a:fld id="{ED5C7432-FE40-43A9-8311-7C7576086946}" type="datetimeFigureOut">
               <a:rPr lang="en-US" smtClean="0"/>
-              <a:t>12/12/2017</a:t>
+              <a:pPr/>
+              <a:t>12/15/2017</a:t>
             </a:fld>
             <a:endParaRPr lang="en-US"/>
           </a:p>
@@ -2409,7 +2428,7 @@
           <p:cNvPr id="6" name="Espace réservé du pied de page 5">
             <a:extLst>
               <a:ext uri="{FF2B5EF4-FFF2-40B4-BE49-F238E27FC236}">
-                <a16:creationId xmlns:a16="http://schemas.microsoft.com/office/drawing/2014/main" id="{6D4B01F1-54BF-4519-BC16-771E7B67A81D}"/>
+                <a16:creationId xmlns:a16="http://schemas.microsoft.com/office/drawing/2014/main" xmlns="" id="{6D4B01F1-54BF-4519-BC16-771E7B67A81D}"/>
               </a:ext>
             </a:extLst>
           </p:cNvPr>
@@ -2434,7 +2453,7 @@
           <p:cNvPr id="7" name="Espace réservé du numéro de diapositive 6">
             <a:extLst>
               <a:ext uri="{FF2B5EF4-FFF2-40B4-BE49-F238E27FC236}">
-                <a16:creationId xmlns:a16="http://schemas.microsoft.com/office/drawing/2014/main" id="{AE7E7D71-316E-4EEA-A96F-1D56CBA03A3F}"/>
+                <a16:creationId xmlns:a16="http://schemas.microsoft.com/office/drawing/2014/main" xmlns="" id="{AE7E7D71-316E-4EEA-A96F-1D56CBA03A3F}"/>
               </a:ext>
             </a:extLst>
           </p:cNvPr>
@@ -2452,6 +2471,7 @@
           <a:p>
             <a:fld id="{162A977B-B564-4F8D-B60F-A8AE9E7D79A5}" type="slidenum">
               <a:rPr lang="en-US" smtClean="0"/>
+              <a:pPr/>
               <a:t>‹N°›</a:t>
             </a:fld>
             <a:endParaRPr lang="en-US"/>
@@ -2461,7 +2481,7 @@
     </p:spTree>
     <p:extLst>
       <p:ext uri="{BB962C8B-B14F-4D97-AF65-F5344CB8AC3E}">
-        <p14:creationId xmlns:p14="http://schemas.microsoft.com/office/powerpoint/2010/main" val="1443367049"/>
+        <p14:creationId xmlns:p14="http://schemas.microsoft.com/office/powerpoint/2010/main" xmlns="" val="1443367049"/>
       </p:ext>
     </p:extLst>
   </p:cSld>
@@ -2493,7 +2513,7 @@
           <p:cNvPr id="2" name="Titre 1">
             <a:extLst>
               <a:ext uri="{FF2B5EF4-FFF2-40B4-BE49-F238E27FC236}">
-                <a16:creationId xmlns:a16="http://schemas.microsoft.com/office/drawing/2014/main" id="{31BAD59B-6982-4D66-869A-A3FF24D89CF4}"/>
+                <a16:creationId xmlns:a16="http://schemas.microsoft.com/office/drawing/2014/main" xmlns="" id="{31BAD59B-6982-4D66-869A-A3FF24D89CF4}"/>
               </a:ext>
             </a:extLst>
           </p:cNvPr>
@@ -2531,7 +2551,7 @@
           <p:cNvPr id="3" name="Espace réservé pour une image  2">
             <a:extLst>
               <a:ext uri="{FF2B5EF4-FFF2-40B4-BE49-F238E27FC236}">
-                <a16:creationId xmlns:a16="http://schemas.microsoft.com/office/drawing/2014/main" id="{8C61764D-2D94-4787-9558-7C8DAA60B090}"/>
+                <a16:creationId xmlns:a16="http://schemas.microsoft.com/office/drawing/2014/main" xmlns="" id="{8C61764D-2D94-4787-9558-7C8DAA60B090}"/>
               </a:ext>
             </a:extLst>
           </p:cNvPr>
@@ -2598,7 +2618,7 @@
           <p:cNvPr id="4" name="Espace réservé du texte 3">
             <a:extLst>
               <a:ext uri="{FF2B5EF4-FFF2-40B4-BE49-F238E27FC236}">
-                <a16:creationId xmlns:a16="http://schemas.microsoft.com/office/drawing/2014/main" id="{26FA9698-AAE4-493D-8F0A-4C35CFF9C60B}"/>
+                <a16:creationId xmlns:a16="http://schemas.microsoft.com/office/drawing/2014/main" xmlns="" id="{26FA9698-AAE4-493D-8F0A-4C35CFF9C60B}"/>
               </a:ext>
             </a:extLst>
           </p:cNvPr>
@@ -2669,7 +2689,7 @@
           <p:cNvPr id="5" name="Espace réservé de la date 4">
             <a:extLst>
               <a:ext uri="{FF2B5EF4-FFF2-40B4-BE49-F238E27FC236}">
-                <a16:creationId xmlns:a16="http://schemas.microsoft.com/office/drawing/2014/main" id="{C5762AF9-25C5-4FDF-9A7B-A7B94FCD9E68}"/>
+                <a16:creationId xmlns:a16="http://schemas.microsoft.com/office/drawing/2014/main" xmlns="" id="{C5762AF9-25C5-4FDF-9A7B-A7B94FCD9E68}"/>
               </a:ext>
             </a:extLst>
           </p:cNvPr>
@@ -2687,7 +2707,8 @@
           <a:p>
             <a:fld id="{ED5C7432-FE40-43A9-8311-7C7576086946}" type="datetimeFigureOut">
               <a:rPr lang="en-US" smtClean="0"/>
-              <a:t>12/12/2017</a:t>
+              <a:pPr/>
+              <a:t>12/15/2017</a:t>
             </a:fld>
             <a:endParaRPr lang="en-US"/>
           </a:p>
@@ -2698,7 +2719,7 @@
           <p:cNvPr id="6" name="Espace réservé du pied de page 5">
             <a:extLst>
               <a:ext uri="{FF2B5EF4-FFF2-40B4-BE49-F238E27FC236}">
-                <a16:creationId xmlns:a16="http://schemas.microsoft.com/office/drawing/2014/main" id="{60BE1436-5677-4478-9D2D-73ADDEEB8388}"/>
+                <a16:creationId xmlns:a16="http://schemas.microsoft.com/office/drawing/2014/main" xmlns="" id="{60BE1436-5677-4478-9D2D-73ADDEEB8388}"/>
               </a:ext>
             </a:extLst>
           </p:cNvPr>
@@ -2723,7 +2744,7 @@
           <p:cNvPr id="7" name="Espace réservé du numéro de diapositive 6">
             <a:extLst>
               <a:ext uri="{FF2B5EF4-FFF2-40B4-BE49-F238E27FC236}">
-                <a16:creationId xmlns:a16="http://schemas.microsoft.com/office/drawing/2014/main" id="{47A55B59-32DA-44B8-A3CC-09C608A24BF5}"/>
+                <a16:creationId xmlns:a16="http://schemas.microsoft.com/office/drawing/2014/main" xmlns="" id="{47A55B59-32DA-44B8-A3CC-09C608A24BF5}"/>
               </a:ext>
             </a:extLst>
           </p:cNvPr>
@@ -2741,6 +2762,7 @@
           <a:p>
             <a:fld id="{162A977B-B564-4F8D-B60F-A8AE9E7D79A5}" type="slidenum">
               <a:rPr lang="en-US" smtClean="0"/>
+              <a:pPr/>
               <a:t>‹N°›</a:t>
             </a:fld>
             <a:endParaRPr lang="en-US"/>
@@ -2750,7 +2772,7 @@
     </p:spTree>
     <p:extLst>
       <p:ext uri="{BB962C8B-B14F-4D97-AF65-F5344CB8AC3E}">
-        <p14:creationId xmlns:p14="http://schemas.microsoft.com/office/powerpoint/2010/main" val="4279821655"/>
+        <p14:creationId xmlns:p14="http://schemas.microsoft.com/office/powerpoint/2010/main" xmlns="" val="4279821655"/>
       </p:ext>
     </p:extLst>
   </p:cSld>
@@ -2787,7 +2809,7 @@
           <p:cNvPr id="2" name="Espace réservé du titre 1">
             <a:extLst>
               <a:ext uri="{FF2B5EF4-FFF2-40B4-BE49-F238E27FC236}">
-                <a16:creationId xmlns:a16="http://schemas.microsoft.com/office/drawing/2014/main" id="{B0B0823B-24E8-4DB4-8AD0-740B8FC39C40}"/>
+                <a16:creationId xmlns:a16="http://schemas.microsoft.com/office/drawing/2014/main" xmlns="" id="{B0B0823B-24E8-4DB4-8AD0-740B8FC39C40}"/>
               </a:ext>
             </a:extLst>
           </p:cNvPr>
@@ -2826,7 +2848,7 @@
           <p:cNvPr id="3" name="Espace réservé du texte 2">
             <a:extLst>
               <a:ext uri="{FF2B5EF4-FFF2-40B4-BE49-F238E27FC236}">
-                <a16:creationId xmlns:a16="http://schemas.microsoft.com/office/drawing/2014/main" id="{36C7C193-84B6-4A9D-9193-B8CB0FF97ED4}"/>
+                <a16:creationId xmlns:a16="http://schemas.microsoft.com/office/drawing/2014/main" xmlns="" id="{36C7C193-84B6-4A9D-9193-B8CB0FF97ED4}"/>
               </a:ext>
             </a:extLst>
           </p:cNvPr>
@@ -2894,7 +2916,7 @@
           <p:cNvPr id="4" name="Espace réservé de la date 3">
             <a:extLst>
               <a:ext uri="{FF2B5EF4-FFF2-40B4-BE49-F238E27FC236}">
-                <a16:creationId xmlns:a16="http://schemas.microsoft.com/office/drawing/2014/main" id="{9C7238AB-F405-47EE-B0D1-B48A23A73C6D}"/>
+                <a16:creationId xmlns:a16="http://schemas.microsoft.com/office/drawing/2014/main" xmlns="" id="{9C7238AB-F405-47EE-B0D1-B48A23A73C6D}"/>
               </a:ext>
             </a:extLst>
           </p:cNvPr>
@@ -2930,7 +2952,8 @@
           <a:p>
             <a:fld id="{ED5C7432-FE40-43A9-8311-7C7576086946}" type="datetimeFigureOut">
               <a:rPr lang="en-US" smtClean="0"/>
-              <a:t>12/12/2017</a:t>
+              <a:pPr/>
+              <a:t>12/15/2017</a:t>
             </a:fld>
             <a:endParaRPr lang="en-US"/>
           </a:p>
@@ -2941,7 +2964,7 @@
           <p:cNvPr id="5" name="Espace réservé du pied de page 4">
             <a:extLst>
               <a:ext uri="{FF2B5EF4-FFF2-40B4-BE49-F238E27FC236}">
-                <a16:creationId xmlns:a16="http://schemas.microsoft.com/office/drawing/2014/main" id="{F48E5F68-0530-4D2F-BF66-A4D1B94B791E}"/>
+                <a16:creationId xmlns:a16="http://schemas.microsoft.com/office/drawing/2014/main" xmlns="" id="{F48E5F68-0530-4D2F-BF66-A4D1B94B791E}"/>
               </a:ext>
             </a:extLst>
           </p:cNvPr>
@@ -2984,7 +3007,7 @@
           <p:cNvPr id="6" name="Espace réservé du numéro de diapositive 5">
             <a:extLst>
               <a:ext uri="{FF2B5EF4-FFF2-40B4-BE49-F238E27FC236}">
-                <a16:creationId xmlns:a16="http://schemas.microsoft.com/office/drawing/2014/main" id="{24E9303B-3589-4324-961D-AFEFE2E171E7}"/>
+                <a16:creationId xmlns:a16="http://schemas.microsoft.com/office/drawing/2014/main" xmlns="" id="{24E9303B-3589-4324-961D-AFEFE2E171E7}"/>
               </a:ext>
             </a:extLst>
           </p:cNvPr>
@@ -3020,6 +3043,7 @@
           <a:p>
             <a:fld id="{162A977B-B564-4F8D-B60F-A8AE9E7D79A5}" type="slidenum">
               <a:rPr lang="en-US" smtClean="0"/>
+              <a:pPr/>
               <a:t>‹N°›</a:t>
             </a:fld>
             <a:endParaRPr lang="en-US"/>
@@ -3029,7 +3053,7 @@
     </p:spTree>
     <p:extLst>
       <p:ext uri="{BB962C8B-B14F-4D97-AF65-F5344CB8AC3E}">
-        <p14:creationId xmlns:p14="http://schemas.microsoft.com/office/powerpoint/2010/main" val="1792419315"/>
+        <p14:creationId xmlns:p14="http://schemas.microsoft.com/office/powerpoint/2010/main" xmlns="" val="1792419315"/>
       </p:ext>
     </p:extLst>
   </p:cSld>
@@ -3352,7 +3376,7 @@
           <p:cNvPr id="36" name="Connecteur droit 35">
             <a:extLst>
               <a:ext uri="{FF2B5EF4-FFF2-40B4-BE49-F238E27FC236}">
-                <a16:creationId xmlns:a16="http://schemas.microsoft.com/office/drawing/2014/main" id="{FB877F91-4AAB-4FD5-B6AD-4531C1F1D0A8}"/>
+                <a16:creationId xmlns:a16="http://schemas.microsoft.com/office/drawing/2014/main" xmlns="" id="{FB877F91-4AAB-4FD5-B6AD-4531C1F1D0A8}"/>
               </a:ext>
             </a:extLst>
           </p:cNvPr>
@@ -3392,7 +3416,7 @@
           <p:cNvPr id="4" name="Tableau 3">
             <a:extLst>
               <a:ext uri="{FF2B5EF4-FFF2-40B4-BE49-F238E27FC236}">
-                <a16:creationId xmlns:a16="http://schemas.microsoft.com/office/drawing/2014/main" id="{08BC0287-866F-45F6-A22A-8ADE1C6094C0}"/>
+                <a16:creationId xmlns:a16="http://schemas.microsoft.com/office/drawing/2014/main" xmlns="" id="{08BC0287-866F-45F6-A22A-8ADE1C6094C0}"/>
               </a:ext>
             </a:extLst>
           </p:cNvPr>
@@ -3402,7 +3426,7 @@
           <p:nvPr>
             <p:extLst>
               <p:ext uri="{D42A27DB-BD31-4B8C-83A1-F6EECF244321}">
-                <p14:modId xmlns:p14="http://schemas.microsoft.com/office/powerpoint/2010/main" val="2753520688"/>
+                <p14:modId xmlns:p14="http://schemas.microsoft.com/office/powerpoint/2010/main" xmlns="" val="2753520688"/>
               </p:ext>
             </p:extLst>
           </p:nvPr>
@@ -3421,7 +3445,7 @@
                 <a:gridCol w="1638300">
                   <a:extLst>
                     <a:ext uri="{9D8B030D-6E8A-4147-A177-3AD203B41FA5}">
-                      <a16:colId xmlns:a16="http://schemas.microsoft.com/office/drawing/2014/main" val="1250111940"/>
+                      <a16:colId xmlns:a16="http://schemas.microsoft.com/office/drawing/2014/main" xmlns="" val="1250111940"/>
                     </a:ext>
                   </a:extLst>
                 </a:gridCol>
@@ -3443,7 +3467,7 @@
                 </a:tc>
                 <a:extLst>
                   <a:ext uri="{0D108BD9-81ED-4DB2-BD59-A6C34878D82A}">
-                    <a16:rowId xmlns:a16="http://schemas.microsoft.com/office/drawing/2014/main" val="1195109221"/>
+                    <a16:rowId xmlns:a16="http://schemas.microsoft.com/office/drawing/2014/main" xmlns="" val="1195109221"/>
                   </a:ext>
                 </a:extLst>
               </a:tr>
@@ -3463,7 +3487,7 @@
                 </a:tc>
                 <a:extLst>
                   <a:ext uri="{0D108BD9-81ED-4DB2-BD59-A6C34878D82A}">
-                    <a16:rowId xmlns:a16="http://schemas.microsoft.com/office/drawing/2014/main" val="4092456598"/>
+                    <a16:rowId xmlns:a16="http://schemas.microsoft.com/office/drawing/2014/main" xmlns="" val="4092456598"/>
                   </a:ext>
                 </a:extLst>
               </a:tr>
@@ -3483,7 +3507,7 @@
                 </a:tc>
                 <a:extLst>
                   <a:ext uri="{0D108BD9-81ED-4DB2-BD59-A6C34878D82A}">
-                    <a16:rowId xmlns:a16="http://schemas.microsoft.com/office/drawing/2014/main" val="2742460137"/>
+                    <a16:rowId xmlns:a16="http://schemas.microsoft.com/office/drawing/2014/main" xmlns="" val="2742460137"/>
                   </a:ext>
                 </a:extLst>
               </a:tr>
@@ -3507,7 +3531,7 @@
                 </a:tc>
                 <a:extLst>
                   <a:ext uri="{0D108BD9-81ED-4DB2-BD59-A6C34878D82A}">
-                    <a16:rowId xmlns:a16="http://schemas.microsoft.com/office/drawing/2014/main" val="3684877197"/>
+                    <a16:rowId xmlns:a16="http://schemas.microsoft.com/office/drawing/2014/main" xmlns="" val="3684877197"/>
                   </a:ext>
                 </a:extLst>
               </a:tr>
@@ -3531,7 +3555,7 @@
                 </a:tc>
                 <a:extLst>
                   <a:ext uri="{0D108BD9-81ED-4DB2-BD59-A6C34878D82A}">
-                    <a16:rowId xmlns:a16="http://schemas.microsoft.com/office/drawing/2014/main" val="422451159"/>
+                    <a16:rowId xmlns:a16="http://schemas.microsoft.com/office/drawing/2014/main" xmlns="" val="422451159"/>
                   </a:ext>
                 </a:extLst>
               </a:tr>
@@ -3555,7 +3579,7 @@
                 </a:tc>
                 <a:extLst>
                   <a:ext uri="{0D108BD9-81ED-4DB2-BD59-A6C34878D82A}">
-                    <a16:rowId xmlns:a16="http://schemas.microsoft.com/office/drawing/2014/main" val="1524328586"/>
+                    <a16:rowId xmlns:a16="http://schemas.microsoft.com/office/drawing/2014/main" xmlns="" val="1524328586"/>
                   </a:ext>
                 </a:extLst>
               </a:tr>
@@ -3566,11 +3590,11 @@
                     <a:lstStyle/>
                     <a:p>
                       <a:r>
-                        <a:rPr lang="en-US" sz="900" dirty="0" err="1"/>
+                        <a:rPr lang="en-US" sz="900" u="sng" dirty="0" err="1"/>
                         <a:t>idDisease</a:t>
                       </a:r>
                       <a:r>
-                        <a:rPr lang="en-US" sz="900" dirty="0"/>
+                        <a:rPr lang="en-US" sz="900" u="sng" dirty="0"/>
                         <a:t>:</a:t>
                       </a:r>
                     </a:p>
@@ -3579,7 +3603,7 @@
                 </a:tc>
                 <a:extLst>
                   <a:ext uri="{0D108BD9-81ED-4DB2-BD59-A6C34878D82A}">
-                    <a16:rowId xmlns:a16="http://schemas.microsoft.com/office/drawing/2014/main" val="3803691865"/>
+                    <a16:rowId xmlns:a16="http://schemas.microsoft.com/office/drawing/2014/main" xmlns="" val="3803691865"/>
                   </a:ext>
                 </a:extLst>
               </a:tr>
@@ -3590,7 +3614,7 @@
                     <a:lstStyle/>
                     <a:p>
                       <a:r>
-                        <a:rPr lang="en-US" sz="900" dirty="0"/>
+                        <a:rPr lang="en-US" sz="900" u="sng" dirty="0"/>
                         <a:t>vigor:</a:t>
                       </a:r>
                     </a:p>
@@ -3599,7 +3623,7 @@
                 </a:tc>
                 <a:extLst>
                   <a:ext uri="{0D108BD9-81ED-4DB2-BD59-A6C34878D82A}">
-                    <a16:rowId xmlns:a16="http://schemas.microsoft.com/office/drawing/2014/main" val="2354159121"/>
+                    <a16:rowId xmlns:a16="http://schemas.microsoft.com/office/drawing/2014/main" xmlns="" val="2354159121"/>
                   </a:ext>
                 </a:extLst>
               </a:tr>
@@ -3610,11 +3634,11 @@
                     <a:lstStyle/>
                     <a:p>
                       <a:r>
-                        <a:rPr lang="en-US" sz="900" dirty="0" err="1"/>
+                        <a:rPr lang="en-US" sz="900" u="sng" dirty="0" err="1"/>
                         <a:t>environmentBusyness</a:t>
                       </a:r>
                       <a:r>
-                        <a:rPr lang="en-US" sz="900" dirty="0"/>
+                        <a:rPr lang="en-US" sz="900" u="sng" dirty="0"/>
                         <a:t>:</a:t>
                       </a:r>
                     </a:p>
@@ -3623,7 +3647,7 @@
                 </a:tc>
                 <a:extLst>
                   <a:ext uri="{0D108BD9-81ED-4DB2-BD59-A6C34878D82A}">
-                    <a16:rowId xmlns:a16="http://schemas.microsoft.com/office/drawing/2014/main" val="1849203968"/>
+                    <a16:rowId xmlns:a16="http://schemas.microsoft.com/office/drawing/2014/main" xmlns="" val="1849203968"/>
                   </a:ext>
                 </a:extLst>
               </a:tr>
@@ -3634,11 +3658,11 @@
                     <a:lstStyle/>
                     <a:p>
                       <a:r>
-                        <a:rPr lang="en-US" sz="900" dirty="0" err="1"/>
+                        <a:rPr lang="en-US" sz="900" u="sng" dirty="0" err="1"/>
                         <a:t>sidewalkProximity</a:t>
                       </a:r>
                       <a:r>
-                        <a:rPr lang="en-US" sz="900" dirty="0"/>
+                        <a:rPr lang="en-US" sz="900" u="sng" dirty="0"/>
                         <a:t>:</a:t>
                       </a:r>
                     </a:p>
@@ -3647,7 +3671,7 @@
                 </a:tc>
                 <a:extLst>
                   <a:ext uri="{0D108BD9-81ED-4DB2-BD59-A6C34878D82A}">
-                    <a16:rowId xmlns:a16="http://schemas.microsoft.com/office/drawing/2014/main" val="2247521027"/>
+                    <a16:rowId xmlns:a16="http://schemas.microsoft.com/office/drawing/2014/main" xmlns="" val="2247521027"/>
                   </a:ext>
                 </a:extLst>
               </a:tr>
@@ -3658,11 +3682,11 @@
                     <a:lstStyle/>
                     <a:p>
                       <a:r>
-                        <a:rPr lang="en-US" sz="900" dirty="0" err="1"/>
+                        <a:rPr lang="en-US" sz="900" u="sng" dirty="0" err="1"/>
                         <a:t>isLast</a:t>
                       </a:r>
                       <a:r>
-                        <a:rPr lang="en-US" sz="900" dirty="0"/>
+                        <a:rPr lang="en-US" sz="900" u="sng" dirty="0"/>
                         <a:t>:</a:t>
                       </a:r>
                     </a:p>
@@ -3671,7 +3695,7 @@
                 </a:tc>
                 <a:extLst>
                   <a:ext uri="{0D108BD9-81ED-4DB2-BD59-A6C34878D82A}">
-                    <a16:rowId xmlns:a16="http://schemas.microsoft.com/office/drawing/2014/main" val="246736767"/>
+                    <a16:rowId xmlns:a16="http://schemas.microsoft.com/office/drawing/2014/main" xmlns="" val="246736767"/>
                   </a:ext>
                 </a:extLst>
               </a:tr>
@@ -3682,11 +3706,11 @@
                     <a:lstStyle/>
                     <a:p>
                       <a:r>
-                        <a:rPr lang="en-US" sz="900" dirty="0" err="1"/>
+                        <a:rPr lang="en-US" sz="900" u="sng" dirty="0" err="1"/>
                         <a:t>diagnosisNote</a:t>
                       </a:r>
                       <a:r>
-                        <a:rPr lang="en-US" sz="900" dirty="0"/>
+                        <a:rPr lang="en-US" sz="900" u="sng" dirty="0"/>
                         <a:t>:</a:t>
                       </a:r>
                     </a:p>
@@ -3695,7 +3719,7 @@
                 </a:tc>
                 <a:extLst>
                   <a:ext uri="{0D108BD9-81ED-4DB2-BD59-A6C34878D82A}">
-                    <a16:rowId xmlns:a16="http://schemas.microsoft.com/office/drawing/2014/main" val="720628519"/>
+                    <a16:rowId xmlns:a16="http://schemas.microsoft.com/office/drawing/2014/main" xmlns="" val="720628519"/>
                   </a:ext>
                 </a:extLst>
               </a:tr>
@@ -3706,11 +3730,11 @@
                     <a:lstStyle/>
                     <a:p>
                       <a:r>
-                        <a:rPr lang="en-US" sz="900" dirty="0" err="1"/>
+                        <a:rPr lang="en-US" sz="900" u="sng" dirty="0" err="1"/>
                         <a:t>developmentStatus</a:t>
                       </a:r>
                       <a:r>
-                        <a:rPr lang="en-US" sz="900" dirty="0"/>
+                        <a:rPr lang="en-US" sz="900" u="sng" dirty="0"/>
                         <a:t>:</a:t>
                       </a:r>
                     </a:p>
@@ -3719,7 +3743,7 @@
                 </a:tc>
                 <a:extLst>
                   <a:ext uri="{0D108BD9-81ED-4DB2-BD59-A6C34878D82A}">
-                    <a16:rowId xmlns:a16="http://schemas.microsoft.com/office/drawing/2014/main" val="1094843136"/>
+                    <a16:rowId xmlns:a16="http://schemas.microsoft.com/office/drawing/2014/main" xmlns="" val="1094843136"/>
                   </a:ext>
                 </a:extLst>
               </a:tr>
@@ -3747,11 +3771,11 @@
                         <a:defRPr/>
                       </a:pPr>
                       <a:r>
-                        <a:rPr lang="en-US" sz="900" dirty="0" err="1"/>
+                        <a:rPr lang="en-US" sz="900" u="sng" dirty="0" err="1"/>
                         <a:t>idLocation</a:t>
                       </a:r>
                       <a:r>
-                        <a:rPr lang="en-US" sz="900" dirty="0"/>
+                        <a:rPr lang="en-US" sz="900" u="sng" dirty="0"/>
                         <a:t>:</a:t>
                       </a:r>
                     </a:p>
@@ -3760,7 +3784,7 @@
                 </a:tc>
                 <a:extLst>
                   <a:ext uri="{0D108BD9-81ED-4DB2-BD59-A6C34878D82A}">
-                    <a16:rowId xmlns:a16="http://schemas.microsoft.com/office/drawing/2014/main" val="3616717368"/>
+                    <a16:rowId xmlns:a16="http://schemas.microsoft.com/office/drawing/2014/main" xmlns="" val="3616717368"/>
                   </a:ext>
                 </a:extLst>
               </a:tr>
@@ -3771,11 +3795,11 @@
                     <a:lstStyle/>
                     <a:p>
                       <a:r>
-                        <a:rPr lang="en-US" sz="900" dirty="0" err="1"/>
+                        <a:rPr lang="en-US" sz="900" u="sng" dirty="0" err="1"/>
                         <a:t>idDiagnosisYear</a:t>
                       </a:r>
                       <a:r>
-                        <a:rPr lang="en-US" sz="900" dirty="0"/>
+                        <a:rPr lang="en-US" sz="900" u="sng" dirty="0"/>
                         <a:t>:</a:t>
                       </a:r>
                     </a:p>
@@ -3784,7 +3808,7 @@
                 </a:tc>
                 <a:extLst>
                   <a:ext uri="{0D108BD9-81ED-4DB2-BD59-A6C34878D82A}">
-                    <a16:rowId xmlns:a16="http://schemas.microsoft.com/office/drawing/2014/main" val="2058480272"/>
+                    <a16:rowId xmlns:a16="http://schemas.microsoft.com/office/drawing/2014/main" xmlns="" val="2058480272"/>
                   </a:ext>
                 </a:extLst>
               </a:tr>
@@ -3795,11 +3819,11 @@
                     <a:lstStyle/>
                     <a:p>
                       <a:r>
-                        <a:rPr lang="en-US" sz="900" dirty="0" err="1"/>
+                        <a:rPr lang="en-US" sz="900" u="sng" dirty="0" err="1"/>
                         <a:t>idSpecies</a:t>
                       </a:r>
                       <a:r>
-                        <a:rPr lang="en-US" sz="900" dirty="0"/>
+                        <a:rPr lang="en-US" sz="900" u="sng" dirty="0"/>
                         <a:t>:</a:t>
                       </a:r>
                     </a:p>
@@ -3808,7 +3832,7 @@
                 </a:tc>
                 <a:extLst>
                   <a:ext uri="{0D108BD9-81ED-4DB2-BD59-A6C34878D82A}">
-                    <a16:rowId xmlns:a16="http://schemas.microsoft.com/office/drawing/2014/main" val="2828189599"/>
+                    <a16:rowId xmlns:a16="http://schemas.microsoft.com/office/drawing/2014/main" xmlns="" val="2828189599"/>
                   </a:ext>
                 </a:extLst>
               </a:tr>
@@ -3819,11 +3843,11 @@
                     <a:lstStyle/>
                     <a:p>
                       <a:r>
-                        <a:rPr lang="en-US" sz="900" dirty="0" err="1"/>
+                        <a:rPr lang="en-US" sz="900" u="sng" dirty="0" err="1"/>
                         <a:t>IdSeedingYear</a:t>
                       </a:r>
                       <a:r>
-                        <a:rPr lang="en-US" sz="900" dirty="0"/>
+                        <a:rPr lang="en-US" sz="900" u="sng" dirty="0"/>
                         <a:t>:</a:t>
                       </a:r>
                     </a:p>
@@ -3832,7 +3856,7 @@
                 </a:tc>
                 <a:extLst>
                   <a:ext uri="{0D108BD9-81ED-4DB2-BD59-A6C34878D82A}">
-                    <a16:rowId xmlns:a16="http://schemas.microsoft.com/office/drawing/2014/main" val="3720072656"/>
+                    <a16:rowId xmlns:a16="http://schemas.microsoft.com/office/drawing/2014/main" xmlns="" val="3720072656"/>
                   </a:ext>
                 </a:extLst>
               </a:tr>
@@ -3843,11 +3867,11 @@
                     <a:lstStyle/>
                     <a:p>
                       <a:r>
-                        <a:rPr lang="en-US" sz="900" dirty="0" err="1"/>
+                        <a:rPr lang="en-US" sz="900" u="sng" dirty="0" err="1"/>
                         <a:t>idStumpDiameter</a:t>
                       </a:r>
                       <a:r>
-                        <a:rPr lang="en-US" sz="900" dirty="0"/>
+                        <a:rPr lang="en-US" sz="900" u="sng" dirty="0"/>
                         <a:t>:</a:t>
                       </a:r>
                     </a:p>
@@ -3856,7 +3880,7 @@
                 </a:tc>
                 <a:extLst>
                   <a:ext uri="{0D108BD9-81ED-4DB2-BD59-A6C34878D82A}">
-                    <a16:rowId xmlns:a16="http://schemas.microsoft.com/office/drawing/2014/main" val="590182187"/>
+                    <a16:rowId xmlns:a16="http://schemas.microsoft.com/office/drawing/2014/main" xmlns="" val="590182187"/>
                   </a:ext>
                 </a:extLst>
               </a:tr>
@@ -3869,7 +3893,7 @@
           <p:cNvPr id="6" name="Tableau 5">
             <a:extLst>
               <a:ext uri="{FF2B5EF4-FFF2-40B4-BE49-F238E27FC236}">
-                <a16:creationId xmlns:a16="http://schemas.microsoft.com/office/drawing/2014/main" id="{FDCC96A4-DC54-443E-8599-0033FABF15CD}"/>
+                <a16:creationId xmlns:a16="http://schemas.microsoft.com/office/drawing/2014/main" xmlns="" id="{FDCC96A4-DC54-443E-8599-0033FABF15CD}"/>
               </a:ext>
             </a:extLst>
           </p:cNvPr>
@@ -3879,7 +3903,7 @@
           <p:nvPr>
             <p:extLst>
               <p:ext uri="{D42A27DB-BD31-4B8C-83A1-F6EECF244321}">
-                <p14:modId xmlns:p14="http://schemas.microsoft.com/office/powerpoint/2010/main" val="1721526533"/>
+                <p14:modId xmlns:p14="http://schemas.microsoft.com/office/powerpoint/2010/main" xmlns="" val="1721526533"/>
               </p:ext>
             </p:extLst>
           </p:nvPr>
@@ -3898,7 +3922,7 @@
                 <a:gridCol w="998855">
                   <a:extLst>
                     <a:ext uri="{9D8B030D-6E8A-4147-A177-3AD203B41FA5}">
-                      <a16:colId xmlns:a16="http://schemas.microsoft.com/office/drawing/2014/main" val="1250111940"/>
+                      <a16:colId xmlns:a16="http://schemas.microsoft.com/office/drawing/2014/main" xmlns="" val="1250111940"/>
                     </a:ext>
                   </a:extLst>
                 </a:gridCol>
@@ -3920,7 +3944,7 @@
                 </a:tc>
                 <a:extLst>
                   <a:ext uri="{0D108BD9-81ED-4DB2-BD59-A6C34878D82A}">
-                    <a16:rowId xmlns:a16="http://schemas.microsoft.com/office/drawing/2014/main" val="1195109221"/>
+                    <a16:rowId xmlns:a16="http://schemas.microsoft.com/office/drawing/2014/main" xmlns="" val="1195109221"/>
                   </a:ext>
                 </a:extLst>
               </a:tr>
@@ -3931,11 +3955,11 @@
                     <a:lstStyle/>
                     <a:p>
                       <a:r>
-                        <a:rPr lang="en-US" sz="900" dirty="0" err="1"/>
+                        <a:rPr lang="en-US" sz="900" u="sng" dirty="0" err="1"/>
                         <a:t>idSpecies</a:t>
                       </a:r>
                       <a:r>
-                        <a:rPr lang="en-US" sz="900" dirty="0"/>
+                        <a:rPr lang="en-US" sz="900" u="sng" dirty="0"/>
                         <a:t>:</a:t>
                       </a:r>
                     </a:p>
@@ -3944,7 +3968,7 @@
                 </a:tc>
                 <a:extLst>
                   <a:ext uri="{0D108BD9-81ED-4DB2-BD59-A6C34878D82A}">
-                    <a16:rowId xmlns:a16="http://schemas.microsoft.com/office/drawing/2014/main" val="4092456598"/>
+                    <a16:rowId xmlns:a16="http://schemas.microsoft.com/office/drawing/2014/main" xmlns="" val="4092456598"/>
                   </a:ext>
                 </a:extLst>
               </a:tr>
@@ -3964,7 +3988,7 @@
                 </a:tc>
                 <a:extLst>
                   <a:ext uri="{0D108BD9-81ED-4DB2-BD59-A6C34878D82A}">
-                    <a16:rowId xmlns:a16="http://schemas.microsoft.com/office/drawing/2014/main" val="2742460137"/>
+                    <a16:rowId xmlns:a16="http://schemas.microsoft.com/office/drawing/2014/main" xmlns="" val="2742460137"/>
                   </a:ext>
                 </a:extLst>
               </a:tr>
@@ -3977,7 +4001,7 @@
           <p:cNvPr id="7" name="Tableau 6">
             <a:extLst>
               <a:ext uri="{FF2B5EF4-FFF2-40B4-BE49-F238E27FC236}">
-                <a16:creationId xmlns:a16="http://schemas.microsoft.com/office/drawing/2014/main" id="{4DB60FF5-91E6-4022-94AB-077E97814689}"/>
+                <a16:creationId xmlns:a16="http://schemas.microsoft.com/office/drawing/2014/main" xmlns="" id="{4DB60FF5-91E6-4022-94AB-077E97814689}"/>
               </a:ext>
             </a:extLst>
           </p:cNvPr>
@@ -3987,7 +4011,7 @@
           <p:nvPr>
             <p:extLst>
               <p:ext uri="{D42A27DB-BD31-4B8C-83A1-F6EECF244321}">
-                <p14:modId xmlns:p14="http://schemas.microsoft.com/office/powerpoint/2010/main" val="584248793"/>
+                <p14:modId xmlns:p14="http://schemas.microsoft.com/office/powerpoint/2010/main" xmlns="" val="584248793"/>
               </p:ext>
             </p:extLst>
           </p:nvPr>
@@ -4006,7 +4030,7 @@
                 <a:gridCol w="1375728">
                   <a:extLst>
                     <a:ext uri="{9D8B030D-6E8A-4147-A177-3AD203B41FA5}">
-                      <a16:colId xmlns:a16="http://schemas.microsoft.com/office/drawing/2014/main" val="1250111940"/>
+                      <a16:colId xmlns:a16="http://schemas.microsoft.com/office/drawing/2014/main" xmlns="" val="1250111940"/>
                     </a:ext>
                   </a:extLst>
                 </a:gridCol>
@@ -4028,7 +4052,7 @@
                 </a:tc>
                 <a:extLst>
                   <a:ext uri="{0D108BD9-81ED-4DB2-BD59-A6C34878D82A}">
-                    <a16:rowId xmlns:a16="http://schemas.microsoft.com/office/drawing/2014/main" val="1195109221"/>
+                    <a16:rowId xmlns:a16="http://schemas.microsoft.com/office/drawing/2014/main" xmlns="" val="1195109221"/>
                   </a:ext>
                 </a:extLst>
               </a:tr>
@@ -4039,8 +4063,32 @@
                     <a:lstStyle/>
                     <a:p>
                       <a:r>
+                        <a:rPr lang="en-US" sz="900" u="sng" dirty="0" err="1"/>
+                        <a:t>idLocation</a:t>
+                      </a:r>
+                      <a:r>
+                        <a:rPr lang="en-US" sz="900" u="sng" dirty="0"/>
+                        <a:t>:</a:t>
+                      </a:r>
+                    </a:p>
+                  </a:txBody>
+                  <a:tcPr marT="0" marB="0" anchor="ctr"/>
+                </a:tc>
+                <a:extLst>
+                  <a:ext uri="{0D108BD9-81ED-4DB2-BD59-A6C34878D82A}">
+                    <a16:rowId xmlns:a16="http://schemas.microsoft.com/office/drawing/2014/main" xmlns="" val="4092456598"/>
+                  </a:ext>
+                </a:extLst>
+              </a:tr>
+              <a:tr h="172008">
+                <a:tc>
+                  <a:txBody>
+                    <a:bodyPr/>
+                    <a:lstStyle/>
+                    <a:p>
+                      <a:r>
                         <a:rPr lang="en-US" sz="900" dirty="0" err="1"/>
-                        <a:t>idLocation</a:t>
+                        <a:t>stationId</a:t>
                       </a:r>
                       <a:r>
                         <a:rPr lang="en-US" sz="900" dirty="0"/>
@@ -4052,7 +4100,7 @@
                 </a:tc>
                 <a:extLst>
                   <a:ext uri="{0D108BD9-81ED-4DB2-BD59-A6C34878D82A}">
-                    <a16:rowId xmlns:a16="http://schemas.microsoft.com/office/drawing/2014/main" val="4092456598"/>
+                    <a16:rowId xmlns:a16="http://schemas.microsoft.com/office/drawing/2014/main" xmlns="" val="2742460137"/>
                   </a:ext>
                 </a:extLst>
               </a:tr>
@@ -4063,8 +4111,28 @@
                     <a:lstStyle/>
                     <a:p>
                       <a:r>
+                        <a:rPr lang="en-US" sz="900" dirty="0"/>
+                        <a:t>Sector:</a:t>
+                      </a:r>
+                    </a:p>
+                  </a:txBody>
+                  <a:tcPr marT="0" marB="0" anchor="ctr"/>
+                </a:tc>
+                <a:extLst>
+                  <a:ext uri="{0D108BD9-81ED-4DB2-BD59-A6C34878D82A}">
+                    <a16:rowId xmlns:a16="http://schemas.microsoft.com/office/drawing/2014/main" xmlns="" val="3684877197"/>
+                  </a:ext>
+                </a:extLst>
+              </a:tr>
+              <a:tr h="172008">
+                <a:tc>
+                  <a:txBody>
+                    <a:bodyPr/>
+                    <a:lstStyle/>
+                    <a:p>
+                      <a:r>
                         <a:rPr lang="en-US" sz="900" dirty="0" err="1"/>
-                        <a:t>stationId</a:t>
+                        <a:t>closestTrainStation</a:t>
                       </a:r>
                       <a:r>
                         <a:rPr lang="en-US" sz="900" dirty="0"/>
@@ -4076,7 +4144,7 @@
                 </a:tc>
                 <a:extLst>
                   <a:ext uri="{0D108BD9-81ED-4DB2-BD59-A6C34878D82A}">
-                    <a16:rowId xmlns:a16="http://schemas.microsoft.com/office/drawing/2014/main" val="2742460137"/>
+                    <a16:rowId xmlns:a16="http://schemas.microsoft.com/office/drawing/2014/main" xmlns="" val="422451159"/>
                   </a:ext>
                 </a:extLst>
               </a:tr>
@@ -4087,28 +4155,8 @@
                     <a:lstStyle/>
                     <a:p>
                       <a:r>
-                        <a:rPr lang="en-US" sz="900" dirty="0"/>
-                        <a:t>Sector:</a:t>
-                      </a:r>
-                    </a:p>
-                  </a:txBody>
-                  <a:tcPr marT="0" marB="0" anchor="ctr"/>
-                </a:tc>
-                <a:extLst>
-                  <a:ext uri="{0D108BD9-81ED-4DB2-BD59-A6C34878D82A}">
-                    <a16:rowId xmlns:a16="http://schemas.microsoft.com/office/drawing/2014/main" val="3684877197"/>
-                  </a:ext>
-                </a:extLst>
-              </a:tr>
-              <a:tr h="172008">
-                <a:tc>
-                  <a:txBody>
-                    <a:bodyPr/>
-                    <a:lstStyle/>
-                    <a:p>
-                      <a:r>
                         <a:rPr lang="en-US" sz="900" dirty="0" err="1"/>
-                        <a:t>closestTrainStation</a:t>
+                        <a:t>closestIndustrialZone</a:t>
                       </a:r>
                       <a:r>
                         <a:rPr lang="en-US" sz="900" dirty="0"/>
@@ -4120,7 +4168,7 @@
                 </a:tc>
                 <a:extLst>
                   <a:ext uri="{0D108BD9-81ED-4DB2-BD59-A6C34878D82A}">
-                    <a16:rowId xmlns:a16="http://schemas.microsoft.com/office/drawing/2014/main" val="422451159"/>
+                    <a16:rowId xmlns:a16="http://schemas.microsoft.com/office/drawing/2014/main" xmlns="" val="1524328586"/>
                   </a:ext>
                 </a:extLst>
               </a:tr>
@@ -4132,7 +4180,7 @@
                     <a:p>
                       <a:r>
                         <a:rPr lang="en-US" sz="900" dirty="0" err="1"/>
-                        <a:t>closestIndustrialZone</a:t>
+                        <a:t>closestParking</a:t>
                       </a:r>
                       <a:r>
                         <a:rPr lang="en-US" sz="900" dirty="0"/>
@@ -4144,7 +4192,7 @@
                 </a:tc>
                 <a:extLst>
                   <a:ext uri="{0D108BD9-81ED-4DB2-BD59-A6C34878D82A}">
-                    <a16:rowId xmlns:a16="http://schemas.microsoft.com/office/drawing/2014/main" val="1524328586"/>
+                    <a16:rowId xmlns:a16="http://schemas.microsoft.com/office/drawing/2014/main" xmlns="" val="3803691865"/>
                   </a:ext>
                 </a:extLst>
               </a:tr>
@@ -4156,7 +4204,7 @@
                     <a:p>
                       <a:r>
                         <a:rPr lang="en-US" sz="900" dirty="0" err="1"/>
-                        <a:t>closestParking</a:t>
+                        <a:t>closestRiver</a:t>
                       </a:r>
                       <a:r>
                         <a:rPr lang="en-US" sz="900" dirty="0"/>
@@ -4168,7 +4216,7 @@
                 </a:tc>
                 <a:extLst>
                   <a:ext uri="{0D108BD9-81ED-4DB2-BD59-A6C34878D82A}">
-                    <a16:rowId xmlns:a16="http://schemas.microsoft.com/office/drawing/2014/main" val="3803691865"/>
+                    <a16:rowId xmlns:a16="http://schemas.microsoft.com/office/drawing/2014/main" xmlns="" val="2354159121"/>
                   </a:ext>
                 </a:extLst>
               </a:tr>
@@ -4180,7 +4228,7 @@
                     <a:p>
                       <a:r>
                         <a:rPr lang="en-US" sz="900" dirty="0" err="1"/>
-                        <a:t>closestRiver</a:t>
+                        <a:t>closestMotorways</a:t>
                       </a:r>
                       <a:r>
                         <a:rPr lang="en-US" sz="900" dirty="0"/>
@@ -4192,7 +4240,7 @@
                 </a:tc>
                 <a:extLst>
                   <a:ext uri="{0D108BD9-81ED-4DB2-BD59-A6C34878D82A}">
-                    <a16:rowId xmlns:a16="http://schemas.microsoft.com/office/drawing/2014/main" val="2354159121"/>
+                    <a16:rowId xmlns:a16="http://schemas.microsoft.com/office/drawing/2014/main" xmlns="" val="1849203968"/>
                   </a:ext>
                 </a:extLst>
               </a:tr>
@@ -4204,7 +4252,7 @@
                     <a:p>
                       <a:r>
                         <a:rPr lang="en-US" sz="900" dirty="0" err="1"/>
-                        <a:t>closestMotorways</a:t>
+                        <a:t>closestMall</a:t>
                       </a:r>
                       <a:r>
                         <a:rPr lang="en-US" sz="900" dirty="0"/>
@@ -4216,7 +4264,7 @@
                 </a:tc>
                 <a:extLst>
                   <a:ext uri="{0D108BD9-81ED-4DB2-BD59-A6C34878D82A}">
-                    <a16:rowId xmlns:a16="http://schemas.microsoft.com/office/drawing/2014/main" val="1849203968"/>
+                    <a16:rowId xmlns:a16="http://schemas.microsoft.com/office/drawing/2014/main" xmlns="" val="2247521027"/>
                   </a:ext>
                 </a:extLst>
               </a:tr>
@@ -4228,7 +4276,7 @@
                     <a:p>
                       <a:r>
                         <a:rPr lang="en-US" sz="900" dirty="0" err="1"/>
-                        <a:t>closestMall</a:t>
+                        <a:t>closestRoads</a:t>
                       </a:r>
                       <a:r>
                         <a:rPr lang="en-US" sz="900" dirty="0"/>
@@ -4240,7 +4288,7 @@
                 </a:tc>
                 <a:extLst>
                   <a:ext uri="{0D108BD9-81ED-4DB2-BD59-A6C34878D82A}">
-                    <a16:rowId xmlns:a16="http://schemas.microsoft.com/office/drawing/2014/main" val="2247521027"/>
+                    <a16:rowId xmlns:a16="http://schemas.microsoft.com/office/drawing/2014/main" xmlns="" val="246736767"/>
                   </a:ext>
                 </a:extLst>
               </a:tr>
@@ -4252,7 +4300,7 @@
                     <a:p>
                       <a:r>
                         <a:rPr lang="en-US" sz="900" dirty="0" err="1"/>
-                        <a:t>closestRoads</a:t>
+                        <a:t>environmentTypeCode</a:t>
                       </a:r>
                       <a:r>
                         <a:rPr lang="en-US" sz="900" dirty="0"/>
@@ -4264,7 +4312,7 @@
                 </a:tc>
                 <a:extLst>
                   <a:ext uri="{0D108BD9-81ED-4DB2-BD59-A6C34878D82A}">
-                    <a16:rowId xmlns:a16="http://schemas.microsoft.com/office/drawing/2014/main" val="246736767"/>
+                    <a16:rowId xmlns:a16="http://schemas.microsoft.com/office/drawing/2014/main" xmlns="" val="720628519"/>
                   </a:ext>
                 </a:extLst>
               </a:tr>
@@ -4276,7 +4324,7 @@
                     <a:p>
                       <a:r>
                         <a:rPr lang="en-US" sz="900" dirty="0" err="1"/>
-                        <a:t>environmentTypeCode</a:t>
+                        <a:t>environmentTypeDesc</a:t>
                       </a:r>
                       <a:r>
                         <a:rPr lang="en-US" sz="900" dirty="0"/>
@@ -4288,31 +4336,7 @@
                 </a:tc>
                 <a:extLst>
                   <a:ext uri="{0D108BD9-81ED-4DB2-BD59-A6C34878D82A}">
-                    <a16:rowId xmlns:a16="http://schemas.microsoft.com/office/drawing/2014/main" val="720628519"/>
-                  </a:ext>
-                </a:extLst>
-              </a:tr>
-              <a:tr h="172008">
-                <a:tc>
-                  <a:txBody>
-                    <a:bodyPr/>
-                    <a:lstStyle/>
-                    <a:p>
-                      <a:r>
-                        <a:rPr lang="en-US" sz="900" dirty="0" err="1"/>
-                        <a:t>environmentTypeDesc</a:t>
-                      </a:r>
-                      <a:r>
-                        <a:rPr lang="en-US" sz="900" dirty="0"/>
-                        <a:t>:</a:t>
-                      </a:r>
-                    </a:p>
-                  </a:txBody>
-                  <a:tcPr marT="0" marB="0" anchor="ctr"/>
-                </a:tc>
-                <a:extLst>
-                  <a:ext uri="{0D108BD9-81ED-4DB2-BD59-A6C34878D82A}">
-                    <a16:rowId xmlns:a16="http://schemas.microsoft.com/office/drawing/2014/main" val="1094843136"/>
+                    <a16:rowId xmlns:a16="http://schemas.microsoft.com/office/drawing/2014/main" xmlns="" val="1094843136"/>
                   </a:ext>
                 </a:extLst>
               </a:tr>
@@ -4353,7 +4377,7 @@
                 </a:tc>
                 <a:extLst>
                   <a:ext uri="{0D108BD9-81ED-4DB2-BD59-A6C34878D82A}">
-                    <a16:rowId xmlns:a16="http://schemas.microsoft.com/office/drawing/2014/main" val="3616717368"/>
+                    <a16:rowId xmlns:a16="http://schemas.microsoft.com/office/drawing/2014/main" xmlns="" val="3616717368"/>
                   </a:ext>
                 </a:extLst>
               </a:tr>
@@ -4366,7 +4390,7 @@
           <p:cNvPr id="9" name="Tableau 8">
             <a:extLst>
               <a:ext uri="{FF2B5EF4-FFF2-40B4-BE49-F238E27FC236}">
-                <a16:creationId xmlns:a16="http://schemas.microsoft.com/office/drawing/2014/main" id="{0F16E991-DD63-447F-9971-D27B99311BCC}"/>
+                <a16:creationId xmlns:a16="http://schemas.microsoft.com/office/drawing/2014/main" xmlns="" id="{0F16E991-DD63-447F-9971-D27B99311BCC}"/>
               </a:ext>
             </a:extLst>
           </p:cNvPr>
@@ -4376,7 +4400,7 @@
           <p:nvPr>
             <p:extLst>
               <p:ext uri="{D42A27DB-BD31-4B8C-83A1-F6EECF244321}">
-                <p14:modId xmlns:p14="http://schemas.microsoft.com/office/powerpoint/2010/main" val="1128828272"/>
+                <p14:modId xmlns:p14="http://schemas.microsoft.com/office/powerpoint/2010/main" xmlns="" val="1128828272"/>
               </p:ext>
             </p:extLst>
           </p:nvPr>
@@ -4395,7 +4419,7 @@
                 <a:gridCol w="1246505">
                   <a:extLst>
                     <a:ext uri="{9D8B030D-6E8A-4147-A177-3AD203B41FA5}">
-                      <a16:colId xmlns:a16="http://schemas.microsoft.com/office/drawing/2014/main" val="1250111940"/>
+                      <a16:colId xmlns:a16="http://schemas.microsoft.com/office/drawing/2014/main" xmlns="" val="1250111940"/>
                     </a:ext>
                   </a:extLst>
                 </a:gridCol>
@@ -4417,7 +4441,7 @@
                 </a:tc>
                 <a:extLst>
                   <a:ext uri="{0D108BD9-81ED-4DB2-BD59-A6C34878D82A}">
-                    <a16:rowId xmlns:a16="http://schemas.microsoft.com/office/drawing/2014/main" val="1195109221"/>
+                    <a16:rowId xmlns:a16="http://schemas.microsoft.com/office/drawing/2014/main" xmlns="" val="1195109221"/>
                   </a:ext>
                 </a:extLst>
               </a:tr>
@@ -4428,8 +4452,32 @@
                     <a:lstStyle/>
                     <a:p>
                       <a:r>
+                        <a:rPr lang="en-US" sz="900" u="sng" dirty="0" err="1"/>
+                        <a:t>idSeedingYear</a:t>
+                      </a:r>
+                      <a:r>
+                        <a:rPr lang="en-US" sz="900" u="sng" dirty="0"/>
+                        <a:t>:</a:t>
+                      </a:r>
+                    </a:p>
+                  </a:txBody>
+                  <a:tcPr marT="0" marB="0" anchor="ctr"/>
+                </a:tc>
+                <a:extLst>
+                  <a:ext uri="{0D108BD9-81ED-4DB2-BD59-A6C34878D82A}">
+                    <a16:rowId xmlns:a16="http://schemas.microsoft.com/office/drawing/2014/main" xmlns="" val="4092456598"/>
+                  </a:ext>
+                </a:extLst>
+              </a:tr>
+              <a:tr h="172008">
+                <a:tc>
+                  <a:txBody>
+                    <a:bodyPr/>
+                    <a:lstStyle/>
+                    <a:p>
+                      <a:r>
                         <a:rPr lang="en-US" sz="900" dirty="0" err="1"/>
-                        <a:t>idSeedingYear</a:t>
+                        <a:t>fiveYearPeriod</a:t>
                       </a:r>
                       <a:r>
                         <a:rPr lang="en-US" sz="900" dirty="0"/>
@@ -4441,31 +4489,7 @@
                 </a:tc>
                 <a:extLst>
                   <a:ext uri="{0D108BD9-81ED-4DB2-BD59-A6C34878D82A}">
-                    <a16:rowId xmlns:a16="http://schemas.microsoft.com/office/drawing/2014/main" val="4092456598"/>
-                  </a:ext>
-                </a:extLst>
-              </a:tr>
-              <a:tr h="172008">
-                <a:tc>
-                  <a:txBody>
-                    <a:bodyPr/>
-                    <a:lstStyle/>
-                    <a:p>
-                      <a:r>
-                        <a:rPr lang="en-US" sz="900" dirty="0" err="1"/>
-                        <a:t>fiveYearPeriod</a:t>
-                      </a:r>
-                      <a:r>
-                        <a:rPr lang="en-US" sz="900" dirty="0"/>
-                        <a:t>:</a:t>
-                      </a:r>
-                    </a:p>
-                  </a:txBody>
-                  <a:tcPr marT="0" marB="0" anchor="ctr"/>
-                </a:tc>
-                <a:extLst>
-                  <a:ext uri="{0D108BD9-81ED-4DB2-BD59-A6C34878D82A}">
-                    <a16:rowId xmlns:a16="http://schemas.microsoft.com/office/drawing/2014/main" val="2742460137"/>
+                    <a16:rowId xmlns:a16="http://schemas.microsoft.com/office/drawing/2014/main" xmlns="" val="2742460137"/>
                   </a:ext>
                 </a:extLst>
               </a:tr>
@@ -4478,7 +4502,7 @@
           <p:cNvPr id="10" name="Tableau 9">
             <a:extLst>
               <a:ext uri="{FF2B5EF4-FFF2-40B4-BE49-F238E27FC236}">
-                <a16:creationId xmlns:a16="http://schemas.microsoft.com/office/drawing/2014/main" id="{3D478B70-109A-4E15-BAFF-6669D48882D8}"/>
+                <a16:creationId xmlns:a16="http://schemas.microsoft.com/office/drawing/2014/main" xmlns="" id="{3D478B70-109A-4E15-BAFF-6669D48882D8}"/>
               </a:ext>
             </a:extLst>
           </p:cNvPr>
@@ -4488,7 +4512,7 @@
           <p:nvPr>
             <p:extLst>
               <p:ext uri="{D42A27DB-BD31-4B8C-83A1-F6EECF244321}">
-                <p14:modId xmlns:p14="http://schemas.microsoft.com/office/powerpoint/2010/main" val="3756136346"/>
+                <p14:modId xmlns:p14="http://schemas.microsoft.com/office/powerpoint/2010/main" xmlns="" val="3756136346"/>
               </p:ext>
             </p:extLst>
           </p:nvPr>
@@ -4507,7 +4531,7 @@
                 <a:gridCol w="1557496">
                   <a:extLst>
                     <a:ext uri="{9D8B030D-6E8A-4147-A177-3AD203B41FA5}">
-                      <a16:colId xmlns:a16="http://schemas.microsoft.com/office/drawing/2014/main" val="1250111940"/>
+                      <a16:colId xmlns:a16="http://schemas.microsoft.com/office/drawing/2014/main" xmlns="" val="1250111940"/>
                     </a:ext>
                   </a:extLst>
                 </a:gridCol>
@@ -4529,7 +4553,7 @@
                 </a:tc>
                 <a:extLst>
                   <a:ext uri="{0D108BD9-81ED-4DB2-BD59-A6C34878D82A}">
-                    <a16:rowId xmlns:a16="http://schemas.microsoft.com/office/drawing/2014/main" val="1195109221"/>
+                    <a16:rowId xmlns:a16="http://schemas.microsoft.com/office/drawing/2014/main" xmlns="" val="1195109221"/>
                   </a:ext>
                 </a:extLst>
               </a:tr>
@@ -4540,8 +4564,32 @@
                     <a:lstStyle/>
                     <a:p>
                       <a:r>
+                        <a:rPr lang="en-US" sz="900" u="sng" dirty="0" err="1"/>
+                        <a:t>idStumpDiameter</a:t>
+                      </a:r>
+                      <a:r>
+                        <a:rPr lang="en-US" sz="900" u="sng" dirty="0"/>
+                        <a:t>:</a:t>
+                      </a:r>
+                    </a:p>
+                  </a:txBody>
+                  <a:tcPr marT="0" marB="0" anchor="ctr"/>
+                </a:tc>
+                <a:extLst>
+                  <a:ext uri="{0D108BD9-81ED-4DB2-BD59-A6C34878D82A}">
+                    <a16:rowId xmlns:a16="http://schemas.microsoft.com/office/drawing/2014/main" xmlns="" val="4092456598"/>
+                  </a:ext>
+                </a:extLst>
+              </a:tr>
+              <a:tr h="172008">
+                <a:tc>
+                  <a:txBody>
+                    <a:bodyPr/>
+                    <a:lstStyle/>
+                    <a:p>
+                      <a:r>
                         <a:rPr lang="en-US" sz="900" dirty="0" err="1"/>
-                        <a:t>idStumpDiameter</a:t>
+                        <a:t>stumpDiameter</a:t>
                       </a:r>
                       <a:r>
                         <a:rPr lang="en-US" sz="900" dirty="0"/>
@@ -4553,31 +4601,7 @@
                 </a:tc>
                 <a:extLst>
                   <a:ext uri="{0D108BD9-81ED-4DB2-BD59-A6C34878D82A}">
-                    <a16:rowId xmlns:a16="http://schemas.microsoft.com/office/drawing/2014/main" val="4092456598"/>
-                  </a:ext>
-                </a:extLst>
-              </a:tr>
-              <a:tr h="172008">
-                <a:tc>
-                  <a:txBody>
-                    <a:bodyPr/>
-                    <a:lstStyle/>
-                    <a:p>
-                      <a:r>
-                        <a:rPr lang="en-US" sz="900" dirty="0" err="1"/>
-                        <a:t>stumpDiameter</a:t>
-                      </a:r>
-                      <a:r>
-                        <a:rPr lang="en-US" sz="900" dirty="0"/>
-                        <a:t>:</a:t>
-                      </a:r>
-                    </a:p>
-                  </a:txBody>
-                  <a:tcPr marT="0" marB="0" anchor="ctr"/>
-                </a:tc>
-                <a:extLst>
-                  <a:ext uri="{0D108BD9-81ED-4DB2-BD59-A6C34878D82A}">
-                    <a16:rowId xmlns:a16="http://schemas.microsoft.com/office/drawing/2014/main" val="2742460137"/>
+                    <a16:rowId xmlns:a16="http://schemas.microsoft.com/office/drawing/2014/main" xmlns="" val="2742460137"/>
                   </a:ext>
                 </a:extLst>
               </a:tr>
@@ -4590,7 +4614,7 @@
           <p:cNvPr id="11" name="Tableau 10">
             <a:extLst>
               <a:ext uri="{FF2B5EF4-FFF2-40B4-BE49-F238E27FC236}">
-                <a16:creationId xmlns:a16="http://schemas.microsoft.com/office/drawing/2014/main" id="{7773C06E-2A8D-44AE-AF7D-F9727DA991B2}"/>
+                <a16:creationId xmlns:a16="http://schemas.microsoft.com/office/drawing/2014/main" xmlns="" id="{7773C06E-2A8D-44AE-AF7D-F9727DA991B2}"/>
               </a:ext>
             </a:extLst>
           </p:cNvPr>
@@ -4600,7 +4624,7 @@
           <p:nvPr>
             <p:extLst>
               <p:ext uri="{D42A27DB-BD31-4B8C-83A1-F6EECF244321}">
-                <p14:modId xmlns:p14="http://schemas.microsoft.com/office/powerpoint/2010/main" val="3087064152"/>
+                <p14:modId xmlns:p14="http://schemas.microsoft.com/office/powerpoint/2010/main" xmlns="" val="3087064152"/>
               </p:ext>
             </p:extLst>
           </p:nvPr>
@@ -4619,7 +4643,7 @@
                 <a:gridCol w="1557496">
                   <a:extLst>
                     <a:ext uri="{9D8B030D-6E8A-4147-A177-3AD203B41FA5}">
-                      <a16:colId xmlns:a16="http://schemas.microsoft.com/office/drawing/2014/main" val="1250111940"/>
+                      <a16:colId xmlns:a16="http://schemas.microsoft.com/office/drawing/2014/main" xmlns="" val="1250111940"/>
                     </a:ext>
                   </a:extLst>
                 </a:gridCol>
@@ -4641,7 +4665,7 @@
                 </a:tc>
                 <a:extLst>
                   <a:ext uri="{0D108BD9-81ED-4DB2-BD59-A6C34878D82A}">
-                    <a16:rowId xmlns:a16="http://schemas.microsoft.com/office/drawing/2014/main" val="1195109221"/>
+                    <a16:rowId xmlns:a16="http://schemas.microsoft.com/office/drawing/2014/main" xmlns="" val="1195109221"/>
                   </a:ext>
                 </a:extLst>
               </a:tr>
@@ -4652,8 +4676,32 @@
                     <a:lstStyle/>
                     <a:p>
                       <a:r>
+                        <a:rPr lang="en-US" sz="900" u="sng" dirty="0" err="1"/>
+                        <a:t>idDiagnosisYear</a:t>
+                      </a:r>
+                      <a:r>
+                        <a:rPr lang="en-US" sz="900" u="sng" dirty="0"/>
+                        <a:t>:</a:t>
+                      </a:r>
+                    </a:p>
+                  </a:txBody>
+                  <a:tcPr marT="0" marB="0" anchor="ctr"/>
+                </a:tc>
+                <a:extLst>
+                  <a:ext uri="{0D108BD9-81ED-4DB2-BD59-A6C34878D82A}">
+                    <a16:rowId xmlns:a16="http://schemas.microsoft.com/office/drawing/2014/main" xmlns="" val="4092456598"/>
+                  </a:ext>
+                </a:extLst>
+              </a:tr>
+              <a:tr h="172008">
+                <a:tc>
+                  <a:txBody>
+                    <a:bodyPr/>
+                    <a:lstStyle/>
+                    <a:p>
+                      <a:r>
                         <a:rPr lang="en-US" sz="900" dirty="0" err="1"/>
-                        <a:t>idDiagnosisYear</a:t>
+                        <a:t>fiveYearPeriod</a:t>
                       </a:r>
                       <a:r>
                         <a:rPr lang="en-US" sz="900" dirty="0"/>
@@ -4665,31 +4713,7 @@
                 </a:tc>
                 <a:extLst>
                   <a:ext uri="{0D108BD9-81ED-4DB2-BD59-A6C34878D82A}">
-                    <a16:rowId xmlns:a16="http://schemas.microsoft.com/office/drawing/2014/main" val="4092456598"/>
-                  </a:ext>
-                </a:extLst>
-              </a:tr>
-              <a:tr h="172008">
-                <a:tc>
-                  <a:txBody>
-                    <a:bodyPr/>
-                    <a:lstStyle/>
-                    <a:p>
-                      <a:r>
-                        <a:rPr lang="en-US" sz="900" dirty="0" err="1"/>
-                        <a:t>fiveYearPeriod</a:t>
-                      </a:r>
-                      <a:r>
-                        <a:rPr lang="en-US" sz="900" dirty="0"/>
-                        <a:t>:</a:t>
-                      </a:r>
-                    </a:p>
-                  </a:txBody>
-                  <a:tcPr marT="0" marB="0" anchor="ctr"/>
-                </a:tc>
-                <a:extLst>
-                  <a:ext uri="{0D108BD9-81ED-4DB2-BD59-A6C34878D82A}">
-                    <a16:rowId xmlns:a16="http://schemas.microsoft.com/office/drawing/2014/main" val="2742460137"/>
+                    <a16:rowId xmlns:a16="http://schemas.microsoft.com/office/drawing/2014/main" xmlns="" val="2742460137"/>
                   </a:ext>
                 </a:extLst>
               </a:tr>
@@ -4702,7 +4726,7 @@
           <p:cNvPr id="12" name="Tableau 11">
             <a:extLst>
               <a:ext uri="{FF2B5EF4-FFF2-40B4-BE49-F238E27FC236}">
-                <a16:creationId xmlns:a16="http://schemas.microsoft.com/office/drawing/2014/main" id="{E9CA6B32-FCBA-4DE9-9DE6-E50BEDF9C360}"/>
+                <a16:creationId xmlns:a16="http://schemas.microsoft.com/office/drawing/2014/main" xmlns="" id="{E9CA6B32-FCBA-4DE9-9DE6-E50BEDF9C360}"/>
               </a:ext>
             </a:extLst>
           </p:cNvPr>
@@ -4712,7 +4736,7 @@
           <p:nvPr>
             <p:extLst>
               <p:ext uri="{D42A27DB-BD31-4B8C-83A1-F6EECF244321}">
-                <p14:modId xmlns:p14="http://schemas.microsoft.com/office/powerpoint/2010/main" val="2321508136"/>
+                <p14:modId xmlns:p14="http://schemas.microsoft.com/office/powerpoint/2010/main" xmlns="" val="2321508136"/>
               </p:ext>
             </p:extLst>
           </p:nvPr>
@@ -4731,7 +4755,7 @@
                 <a:gridCol w="1557496">
                   <a:extLst>
                     <a:ext uri="{9D8B030D-6E8A-4147-A177-3AD203B41FA5}">
-                      <a16:colId xmlns:a16="http://schemas.microsoft.com/office/drawing/2014/main" val="1250111940"/>
+                      <a16:colId xmlns:a16="http://schemas.microsoft.com/office/drawing/2014/main" xmlns="" val="1250111940"/>
                     </a:ext>
                   </a:extLst>
                 </a:gridCol>
@@ -4753,7 +4777,7 @@
                 </a:tc>
                 <a:extLst>
                   <a:ext uri="{0D108BD9-81ED-4DB2-BD59-A6C34878D82A}">
-                    <a16:rowId xmlns:a16="http://schemas.microsoft.com/office/drawing/2014/main" val="1195109221"/>
+                    <a16:rowId xmlns:a16="http://schemas.microsoft.com/office/drawing/2014/main" xmlns="" val="1195109221"/>
                   </a:ext>
                 </a:extLst>
               </a:tr>
@@ -4764,8 +4788,32 @@
                     <a:lstStyle/>
                     <a:p>
                       <a:r>
+                        <a:rPr lang="en-US" sz="900" u="sng" dirty="0" err="1"/>
+                        <a:t>idPollutionStation</a:t>
+                      </a:r>
+                      <a:r>
+                        <a:rPr lang="en-US" sz="900" u="sng" dirty="0"/>
+                        <a:t>:</a:t>
+                      </a:r>
+                    </a:p>
+                  </a:txBody>
+                  <a:tcPr marT="0" marB="0" anchor="ctr"/>
+                </a:tc>
+                <a:extLst>
+                  <a:ext uri="{0D108BD9-81ED-4DB2-BD59-A6C34878D82A}">
+                    <a16:rowId xmlns:a16="http://schemas.microsoft.com/office/drawing/2014/main" xmlns="" val="4092456598"/>
+                  </a:ext>
+                </a:extLst>
+              </a:tr>
+              <a:tr h="172008">
+                <a:tc>
+                  <a:txBody>
+                    <a:bodyPr/>
+                    <a:lstStyle/>
+                    <a:p>
+                      <a:r>
                         <a:rPr lang="en-US" sz="900" dirty="0" err="1"/>
-                        <a:t>idPollutionStation</a:t>
+                        <a:t>pollutionSationName</a:t>
                       </a:r>
                       <a:r>
                         <a:rPr lang="en-US" sz="900" dirty="0"/>
@@ -4777,31 +4825,7 @@
                 </a:tc>
                 <a:extLst>
                   <a:ext uri="{0D108BD9-81ED-4DB2-BD59-A6C34878D82A}">
-                    <a16:rowId xmlns:a16="http://schemas.microsoft.com/office/drawing/2014/main" val="4092456598"/>
-                  </a:ext>
-                </a:extLst>
-              </a:tr>
-              <a:tr h="172008">
-                <a:tc>
-                  <a:txBody>
-                    <a:bodyPr/>
-                    <a:lstStyle/>
-                    <a:p>
-                      <a:r>
-                        <a:rPr lang="en-US" sz="900" dirty="0" err="1"/>
-                        <a:t>pollutionSationName</a:t>
-                      </a:r>
-                      <a:r>
-                        <a:rPr lang="en-US" sz="900" dirty="0"/>
-                        <a:t>:</a:t>
-                      </a:r>
-                    </a:p>
-                  </a:txBody>
-                  <a:tcPr marT="0" marB="0" anchor="ctr"/>
-                </a:tc>
-                <a:extLst>
-                  <a:ext uri="{0D108BD9-81ED-4DB2-BD59-A6C34878D82A}">
-                    <a16:rowId xmlns:a16="http://schemas.microsoft.com/office/drawing/2014/main" val="2742460137"/>
+                    <a16:rowId xmlns:a16="http://schemas.microsoft.com/office/drawing/2014/main" xmlns="" val="2742460137"/>
                   </a:ext>
                 </a:extLst>
               </a:tr>
@@ -4814,7 +4838,7 @@
           <p:cNvPr id="13" name="Tableau 12">
             <a:extLst>
               <a:ext uri="{FF2B5EF4-FFF2-40B4-BE49-F238E27FC236}">
-                <a16:creationId xmlns:a16="http://schemas.microsoft.com/office/drawing/2014/main" id="{DFC694A7-0486-4160-8DA7-4D84A5F84AE7}"/>
+                <a16:creationId xmlns:a16="http://schemas.microsoft.com/office/drawing/2014/main" xmlns="" id="{DFC694A7-0486-4160-8DA7-4D84A5F84AE7}"/>
               </a:ext>
             </a:extLst>
           </p:cNvPr>
@@ -4824,7 +4848,7 @@
           <p:nvPr>
             <p:extLst>
               <p:ext uri="{D42A27DB-BD31-4B8C-83A1-F6EECF244321}">
-                <p14:modId xmlns:p14="http://schemas.microsoft.com/office/powerpoint/2010/main" val="838897063"/>
+                <p14:modId xmlns:p14="http://schemas.microsoft.com/office/powerpoint/2010/main" xmlns="" val="838897063"/>
               </p:ext>
             </p:extLst>
           </p:nvPr>
@@ -4843,7 +4867,7 @@
                 <a:gridCol w="1914843">
                   <a:extLst>
                     <a:ext uri="{9D8B030D-6E8A-4147-A177-3AD203B41FA5}">
-                      <a16:colId xmlns:a16="http://schemas.microsoft.com/office/drawing/2014/main" val="1250111940"/>
+                      <a16:colId xmlns:a16="http://schemas.microsoft.com/office/drawing/2014/main" xmlns="" val="1250111940"/>
                     </a:ext>
                   </a:extLst>
                 </a:gridCol>
@@ -4865,7 +4889,7 @@
                 </a:tc>
                 <a:extLst>
                   <a:ext uri="{0D108BD9-81ED-4DB2-BD59-A6C34878D82A}">
-                    <a16:rowId xmlns:a16="http://schemas.microsoft.com/office/drawing/2014/main" val="1195109221"/>
+                    <a16:rowId xmlns:a16="http://schemas.microsoft.com/office/drawing/2014/main" xmlns="" val="1195109221"/>
                   </a:ext>
                 </a:extLst>
               </a:tr>
@@ -4889,7 +4913,7 @@
                 </a:tc>
                 <a:extLst>
                   <a:ext uri="{0D108BD9-81ED-4DB2-BD59-A6C34878D82A}">
-                    <a16:rowId xmlns:a16="http://schemas.microsoft.com/office/drawing/2014/main" val="4092456598"/>
+                    <a16:rowId xmlns:a16="http://schemas.microsoft.com/office/drawing/2014/main" xmlns="" val="4092456598"/>
                   </a:ext>
                 </a:extLst>
               </a:tr>
@@ -4913,7 +4937,7 @@
                 </a:tc>
                 <a:extLst>
                   <a:ext uri="{0D108BD9-81ED-4DB2-BD59-A6C34878D82A}">
-                    <a16:rowId xmlns:a16="http://schemas.microsoft.com/office/drawing/2014/main" val="2742460137"/>
+                    <a16:rowId xmlns:a16="http://schemas.microsoft.com/office/drawing/2014/main" xmlns="" val="2742460137"/>
                   </a:ext>
                 </a:extLst>
               </a:tr>
@@ -4937,7 +4961,7 @@
                 </a:tc>
                 <a:extLst>
                   <a:ext uri="{0D108BD9-81ED-4DB2-BD59-A6C34878D82A}">
-                    <a16:rowId xmlns:a16="http://schemas.microsoft.com/office/drawing/2014/main" val="3684877197"/>
+                    <a16:rowId xmlns:a16="http://schemas.microsoft.com/office/drawing/2014/main" xmlns="" val="3684877197"/>
                   </a:ext>
                 </a:extLst>
               </a:tr>
@@ -4961,7 +4985,7 @@
                 </a:tc>
                 <a:extLst>
                   <a:ext uri="{0D108BD9-81ED-4DB2-BD59-A6C34878D82A}">
-                    <a16:rowId xmlns:a16="http://schemas.microsoft.com/office/drawing/2014/main" val="422451159"/>
+                    <a16:rowId xmlns:a16="http://schemas.microsoft.com/office/drawing/2014/main" xmlns="" val="422451159"/>
                   </a:ext>
                 </a:extLst>
               </a:tr>
@@ -4989,7 +5013,7 @@
                 </a:tc>
                 <a:extLst>
                   <a:ext uri="{0D108BD9-81ED-4DB2-BD59-A6C34878D82A}">
-                    <a16:rowId xmlns:a16="http://schemas.microsoft.com/office/drawing/2014/main" val="1524328586"/>
+                    <a16:rowId xmlns:a16="http://schemas.microsoft.com/office/drawing/2014/main" xmlns="" val="1524328586"/>
                   </a:ext>
                 </a:extLst>
               </a:tr>
@@ -5013,7 +5037,7 @@
                 </a:tc>
                 <a:extLst>
                   <a:ext uri="{0D108BD9-81ED-4DB2-BD59-A6C34878D82A}">
-                    <a16:rowId xmlns:a16="http://schemas.microsoft.com/office/drawing/2014/main" val="3803691865"/>
+                    <a16:rowId xmlns:a16="http://schemas.microsoft.com/office/drawing/2014/main" xmlns="" val="3803691865"/>
                   </a:ext>
                 </a:extLst>
               </a:tr>
@@ -5033,7 +5057,7 @@
                 </a:tc>
                 <a:extLst>
                   <a:ext uri="{0D108BD9-81ED-4DB2-BD59-A6C34878D82A}">
-                    <a16:rowId xmlns:a16="http://schemas.microsoft.com/office/drawing/2014/main" val="2354159121"/>
+                    <a16:rowId xmlns:a16="http://schemas.microsoft.com/office/drawing/2014/main" xmlns="" val="2354159121"/>
                   </a:ext>
                 </a:extLst>
               </a:tr>
@@ -5053,7 +5077,7 @@
                 </a:tc>
                 <a:extLst>
                   <a:ext uri="{0D108BD9-81ED-4DB2-BD59-A6C34878D82A}">
-                    <a16:rowId xmlns:a16="http://schemas.microsoft.com/office/drawing/2014/main" val="831456692"/>
+                    <a16:rowId xmlns:a16="http://schemas.microsoft.com/office/drawing/2014/main" xmlns="" val="831456692"/>
                   </a:ext>
                 </a:extLst>
               </a:tr>
@@ -5073,7 +5097,7 @@
                 </a:tc>
                 <a:extLst>
                   <a:ext uri="{0D108BD9-81ED-4DB2-BD59-A6C34878D82A}">
-                    <a16:rowId xmlns:a16="http://schemas.microsoft.com/office/drawing/2014/main" val="762711720"/>
+                    <a16:rowId xmlns:a16="http://schemas.microsoft.com/office/drawing/2014/main" xmlns="" val="762711720"/>
                   </a:ext>
                 </a:extLst>
               </a:tr>
@@ -5093,7 +5117,7 @@
                 </a:tc>
                 <a:extLst>
                   <a:ext uri="{0D108BD9-81ED-4DB2-BD59-A6C34878D82A}">
-                    <a16:rowId xmlns:a16="http://schemas.microsoft.com/office/drawing/2014/main" val="2125260159"/>
+                    <a16:rowId xmlns:a16="http://schemas.microsoft.com/office/drawing/2014/main" xmlns="" val="2125260159"/>
                   </a:ext>
                 </a:extLst>
               </a:tr>
@@ -5113,7 +5137,7 @@
                 </a:tc>
                 <a:extLst>
                   <a:ext uri="{0D108BD9-81ED-4DB2-BD59-A6C34878D82A}">
-                    <a16:rowId xmlns:a16="http://schemas.microsoft.com/office/drawing/2014/main" val="2136947453"/>
+                    <a16:rowId xmlns:a16="http://schemas.microsoft.com/office/drawing/2014/main" xmlns="" val="2136947453"/>
                   </a:ext>
                 </a:extLst>
               </a:tr>
@@ -5133,7 +5157,7 @@
                 </a:tc>
                 <a:extLst>
                   <a:ext uri="{0D108BD9-81ED-4DB2-BD59-A6C34878D82A}">
-                    <a16:rowId xmlns:a16="http://schemas.microsoft.com/office/drawing/2014/main" val="1417621849"/>
+                    <a16:rowId xmlns:a16="http://schemas.microsoft.com/office/drawing/2014/main" xmlns="" val="1417621849"/>
                   </a:ext>
                 </a:extLst>
               </a:tr>
@@ -5153,7 +5177,7 @@
                 </a:tc>
                 <a:extLst>
                   <a:ext uri="{0D108BD9-81ED-4DB2-BD59-A6C34878D82A}">
-                    <a16:rowId xmlns:a16="http://schemas.microsoft.com/office/drawing/2014/main" val="3670758939"/>
+                    <a16:rowId xmlns:a16="http://schemas.microsoft.com/office/drawing/2014/main" xmlns="" val="3670758939"/>
                   </a:ext>
                 </a:extLst>
               </a:tr>
@@ -5173,7 +5197,7 @@
                 </a:tc>
                 <a:extLst>
                   <a:ext uri="{0D108BD9-81ED-4DB2-BD59-A6C34878D82A}">
-                    <a16:rowId xmlns:a16="http://schemas.microsoft.com/office/drawing/2014/main" val="2477251748"/>
+                    <a16:rowId xmlns:a16="http://schemas.microsoft.com/office/drawing/2014/main" xmlns="" val="2477251748"/>
                   </a:ext>
                 </a:extLst>
               </a:tr>
@@ -5193,7 +5217,7 @@
                 </a:tc>
                 <a:extLst>
                   <a:ext uri="{0D108BD9-81ED-4DB2-BD59-A6C34878D82A}">
-                    <a16:rowId xmlns:a16="http://schemas.microsoft.com/office/drawing/2014/main" val="4195852793"/>
+                    <a16:rowId xmlns:a16="http://schemas.microsoft.com/office/drawing/2014/main" xmlns="" val="4195852793"/>
                   </a:ext>
                 </a:extLst>
               </a:tr>
@@ -5217,7 +5241,7 @@
                 </a:tc>
                 <a:extLst>
                   <a:ext uri="{0D108BD9-81ED-4DB2-BD59-A6C34878D82A}">
-                    <a16:rowId xmlns:a16="http://schemas.microsoft.com/office/drawing/2014/main" val="810297012"/>
+                    <a16:rowId xmlns:a16="http://schemas.microsoft.com/office/drawing/2014/main" xmlns="" val="810297012"/>
                   </a:ext>
                 </a:extLst>
               </a:tr>
@@ -5237,7 +5261,7 @@
                 </a:tc>
                 <a:extLst>
                   <a:ext uri="{0D108BD9-81ED-4DB2-BD59-A6C34878D82A}">
-                    <a16:rowId xmlns:a16="http://schemas.microsoft.com/office/drawing/2014/main" val="1849203968"/>
+                    <a16:rowId xmlns:a16="http://schemas.microsoft.com/office/drawing/2014/main" xmlns="" val="1849203968"/>
                   </a:ext>
                 </a:extLst>
               </a:tr>
@@ -5261,7 +5285,7 @@
                 </a:tc>
                 <a:extLst>
                   <a:ext uri="{0D108BD9-81ED-4DB2-BD59-A6C34878D82A}">
-                    <a16:rowId xmlns:a16="http://schemas.microsoft.com/office/drawing/2014/main" val="2247521027"/>
+                    <a16:rowId xmlns:a16="http://schemas.microsoft.com/office/drawing/2014/main" xmlns="" val="2247521027"/>
                   </a:ext>
                 </a:extLst>
               </a:tr>
@@ -5281,7 +5305,7 @@
                 </a:tc>
                 <a:extLst>
                   <a:ext uri="{0D108BD9-81ED-4DB2-BD59-A6C34878D82A}">
-                    <a16:rowId xmlns:a16="http://schemas.microsoft.com/office/drawing/2014/main" val="246736767"/>
+                    <a16:rowId xmlns:a16="http://schemas.microsoft.com/office/drawing/2014/main" xmlns="" val="246736767"/>
                   </a:ext>
                 </a:extLst>
               </a:tr>
@@ -5301,7 +5325,7 @@
                 </a:tc>
                 <a:extLst>
                   <a:ext uri="{0D108BD9-81ED-4DB2-BD59-A6C34878D82A}">
-                    <a16:rowId xmlns:a16="http://schemas.microsoft.com/office/drawing/2014/main" val="720628519"/>
+                    <a16:rowId xmlns:a16="http://schemas.microsoft.com/office/drawing/2014/main" xmlns="" val="720628519"/>
                   </a:ext>
                 </a:extLst>
               </a:tr>
@@ -5325,7 +5349,7 @@
                 </a:tc>
                 <a:extLst>
                   <a:ext uri="{0D108BD9-81ED-4DB2-BD59-A6C34878D82A}">
-                    <a16:rowId xmlns:a16="http://schemas.microsoft.com/office/drawing/2014/main" val="1094843136"/>
+                    <a16:rowId xmlns:a16="http://schemas.microsoft.com/office/drawing/2014/main" xmlns="" val="1094843136"/>
                   </a:ext>
                 </a:extLst>
               </a:tr>
@@ -5362,7 +5386,7 @@
                 </a:tc>
                 <a:extLst>
                   <a:ext uri="{0D108BD9-81ED-4DB2-BD59-A6C34878D82A}">
-                    <a16:rowId xmlns:a16="http://schemas.microsoft.com/office/drawing/2014/main" val="3616717368"/>
+                    <a16:rowId xmlns:a16="http://schemas.microsoft.com/office/drawing/2014/main" xmlns="" val="3616717368"/>
                   </a:ext>
                 </a:extLst>
               </a:tr>
@@ -5382,7 +5406,7 @@
                 </a:tc>
                 <a:extLst>
                   <a:ext uri="{0D108BD9-81ED-4DB2-BD59-A6C34878D82A}">
-                    <a16:rowId xmlns:a16="http://schemas.microsoft.com/office/drawing/2014/main" val="2058480272"/>
+                    <a16:rowId xmlns:a16="http://schemas.microsoft.com/office/drawing/2014/main" xmlns="" val="2058480272"/>
                   </a:ext>
                 </a:extLst>
               </a:tr>
@@ -5402,7 +5426,7 @@
                 </a:tc>
                 <a:extLst>
                   <a:ext uri="{0D108BD9-81ED-4DB2-BD59-A6C34878D82A}">
-                    <a16:rowId xmlns:a16="http://schemas.microsoft.com/office/drawing/2014/main" val="2828189599"/>
+                    <a16:rowId xmlns:a16="http://schemas.microsoft.com/office/drawing/2014/main" xmlns="" val="2828189599"/>
                   </a:ext>
                 </a:extLst>
               </a:tr>
@@ -5422,7 +5446,7 @@
                 </a:tc>
                 <a:extLst>
                   <a:ext uri="{0D108BD9-81ED-4DB2-BD59-A6C34878D82A}">
-                    <a16:rowId xmlns:a16="http://schemas.microsoft.com/office/drawing/2014/main" val="3720072656"/>
+                    <a16:rowId xmlns:a16="http://schemas.microsoft.com/office/drawing/2014/main" xmlns="" val="3720072656"/>
                   </a:ext>
                 </a:extLst>
               </a:tr>
@@ -5442,7 +5466,7 @@
                 </a:tc>
                 <a:extLst>
                   <a:ext uri="{0D108BD9-81ED-4DB2-BD59-A6C34878D82A}">
-                    <a16:rowId xmlns:a16="http://schemas.microsoft.com/office/drawing/2014/main" val="590182187"/>
+                    <a16:rowId xmlns:a16="http://schemas.microsoft.com/office/drawing/2014/main" xmlns="" val="590182187"/>
                   </a:ext>
                 </a:extLst>
               </a:tr>
@@ -5453,11 +5477,11 @@
                     <a:lstStyle/>
                     <a:p>
                       <a:r>
-                        <a:rPr lang="en-US" sz="900" dirty="0" err="1"/>
+                        <a:rPr lang="en-US" sz="900" u="sng" dirty="0" err="1"/>
                         <a:t>idPollutionStation</a:t>
                       </a:r>
                       <a:r>
-                        <a:rPr lang="en-US" sz="900" dirty="0"/>
+                        <a:rPr lang="en-US" sz="900" u="sng" dirty="0"/>
                         <a:t>:</a:t>
                       </a:r>
                     </a:p>
@@ -5466,7 +5490,7 @@
                 </a:tc>
                 <a:extLst>
                   <a:ext uri="{0D108BD9-81ED-4DB2-BD59-A6C34878D82A}">
-                    <a16:rowId xmlns:a16="http://schemas.microsoft.com/office/drawing/2014/main" val="1693610616"/>
+                    <a16:rowId xmlns:a16="http://schemas.microsoft.com/office/drawing/2014/main" xmlns="" val="1693610616"/>
                   </a:ext>
                 </a:extLst>
               </a:tr>
@@ -5477,11 +5501,11 @@
                     <a:lstStyle/>
                     <a:p>
                       <a:r>
-                        <a:rPr lang="en-US" sz="900" dirty="0" err="1"/>
+                        <a:rPr lang="en-US" sz="900" u="sng" dirty="0" err="1"/>
                         <a:t>monthYear</a:t>
                       </a:r>
                       <a:r>
-                        <a:rPr lang="en-US" sz="900" dirty="0"/>
+                        <a:rPr lang="en-US" sz="900" u="sng" dirty="0"/>
                         <a:t>:</a:t>
                       </a:r>
                     </a:p>
@@ -5490,7 +5514,7 @@
                 </a:tc>
                 <a:extLst>
                   <a:ext uri="{0D108BD9-81ED-4DB2-BD59-A6C34878D82A}">
-                    <a16:rowId xmlns:a16="http://schemas.microsoft.com/office/drawing/2014/main" val="2686115814"/>
+                    <a16:rowId xmlns:a16="http://schemas.microsoft.com/office/drawing/2014/main" xmlns="" val="2686115814"/>
                   </a:ext>
                 </a:extLst>
               </a:tr>
@@ -5503,7 +5527,7 @@
           <p:cNvPr id="14" name="Tableau 13">
             <a:extLst>
               <a:ext uri="{FF2B5EF4-FFF2-40B4-BE49-F238E27FC236}">
-                <a16:creationId xmlns:a16="http://schemas.microsoft.com/office/drawing/2014/main" id="{3F7EC4E0-6315-46D4-95CA-73B2AEA70143}"/>
+                <a16:creationId xmlns:a16="http://schemas.microsoft.com/office/drawing/2014/main" xmlns="" id="{3F7EC4E0-6315-46D4-95CA-73B2AEA70143}"/>
               </a:ext>
             </a:extLst>
           </p:cNvPr>
@@ -5513,7 +5537,7 @@
           <p:nvPr>
             <p:extLst>
               <p:ext uri="{D42A27DB-BD31-4B8C-83A1-F6EECF244321}">
-                <p14:modId xmlns:p14="http://schemas.microsoft.com/office/powerpoint/2010/main" val="1529874697"/>
+                <p14:modId xmlns:p14="http://schemas.microsoft.com/office/powerpoint/2010/main" xmlns="" val="1529874697"/>
               </p:ext>
             </p:extLst>
           </p:nvPr>
@@ -5532,7 +5556,7 @@
                 <a:gridCol w="1557496">
                   <a:extLst>
                     <a:ext uri="{9D8B030D-6E8A-4147-A177-3AD203B41FA5}">
-                      <a16:colId xmlns:a16="http://schemas.microsoft.com/office/drawing/2014/main" val="1250111940"/>
+                      <a16:colId xmlns:a16="http://schemas.microsoft.com/office/drawing/2014/main" xmlns="" val="1250111940"/>
                     </a:ext>
                   </a:extLst>
                 </a:gridCol>
@@ -5554,7 +5578,7 @@
                 </a:tc>
                 <a:extLst>
                   <a:ext uri="{0D108BD9-81ED-4DB2-BD59-A6C34878D82A}">
-                    <a16:rowId xmlns:a16="http://schemas.microsoft.com/office/drawing/2014/main" val="1195109221"/>
+                    <a16:rowId xmlns:a16="http://schemas.microsoft.com/office/drawing/2014/main" xmlns="" val="1195109221"/>
                   </a:ext>
                 </a:extLst>
               </a:tr>
@@ -5565,17 +5589,17 @@
                     <a:lstStyle/>
                     <a:p>
                       <a:r>
-                        <a:rPr lang="en-US" sz="900" dirty="0" err="1"/>
+                        <a:rPr lang="en-US" sz="900" u="sng" dirty="0" err="1"/>
                         <a:t>monthYear</a:t>
                       </a:r>
-                      <a:endParaRPr lang="en-US" sz="900" dirty="0"/>
-                    </a:p>
-                  </a:txBody>
-                  <a:tcPr marT="0" marB="0" anchor="ctr"/>
-                </a:tc>
-                <a:extLst>
-                  <a:ext uri="{0D108BD9-81ED-4DB2-BD59-A6C34878D82A}">
-                    <a16:rowId xmlns:a16="http://schemas.microsoft.com/office/drawing/2014/main" val="4092456598"/>
+                      <a:endParaRPr lang="en-US" sz="900" u="sng" dirty="0"/>
+                    </a:p>
+                  </a:txBody>
+                  <a:tcPr marT="0" marB="0" anchor="ctr"/>
+                </a:tc>
+                <a:extLst>
+                  <a:ext uri="{0D108BD9-81ED-4DB2-BD59-A6C34878D82A}">
+                    <a16:rowId xmlns:a16="http://schemas.microsoft.com/office/drawing/2014/main" xmlns="" val="4092456598"/>
                   </a:ext>
                 </a:extLst>
               </a:tr>
@@ -5595,7 +5619,7 @@
                 </a:tc>
                 <a:extLst>
                   <a:ext uri="{0D108BD9-81ED-4DB2-BD59-A6C34878D82A}">
-                    <a16:rowId xmlns:a16="http://schemas.microsoft.com/office/drawing/2014/main" val="2742460137"/>
+                    <a16:rowId xmlns:a16="http://schemas.microsoft.com/office/drawing/2014/main" xmlns="" val="2742460137"/>
                   </a:ext>
                 </a:extLst>
               </a:tr>
@@ -5608,7 +5632,7 @@
           <p:cNvPr id="18" name="Connecteur droit 17">
             <a:extLst>
               <a:ext uri="{FF2B5EF4-FFF2-40B4-BE49-F238E27FC236}">
-                <a16:creationId xmlns:a16="http://schemas.microsoft.com/office/drawing/2014/main" id="{2207B7E4-1954-45B3-A019-84608CB9FEC3}"/>
+                <a16:creationId xmlns:a16="http://schemas.microsoft.com/office/drawing/2014/main" xmlns="" id="{2207B7E4-1954-45B3-A019-84608CB9FEC3}"/>
               </a:ext>
             </a:extLst>
           </p:cNvPr>
@@ -5648,7 +5672,7 @@
           <p:cNvPr id="22" name="Connecteur droit 21">
             <a:extLst>
               <a:ext uri="{FF2B5EF4-FFF2-40B4-BE49-F238E27FC236}">
-                <a16:creationId xmlns:a16="http://schemas.microsoft.com/office/drawing/2014/main" id="{35CC4B9D-C7D0-49CC-A471-C78C56CBC8F3}"/>
+                <a16:creationId xmlns:a16="http://schemas.microsoft.com/office/drawing/2014/main" xmlns="" id="{35CC4B9D-C7D0-49CC-A471-C78C56CBC8F3}"/>
               </a:ext>
             </a:extLst>
           </p:cNvPr>
@@ -5688,7 +5712,7 @@
           <p:cNvPr id="25" name="Connecteur droit 24">
             <a:extLst>
               <a:ext uri="{FF2B5EF4-FFF2-40B4-BE49-F238E27FC236}">
-                <a16:creationId xmlns:a16="http://schemas.microsoft.com/office/drawing/2014/main" id="{072F5A8E-0295-4EF1-A8BA-A654BFE41EB5}"/>
+                <a16:creationId xmlns:a16="http://schemas.microsoft.com/office/drawing/2014/main" xmlns="" id="{072F5A8E-0295-4EF1-A8BA-A654BFE41EB5}"/>
               </a:ext>
             </a:extLst>
           </p:cNvPr>
@@ -5728,7 +5752,7 @@
           <p:cNvPr id="29" name="Connecteur droit 28">
             <a:extLst>
               <a:ext uri="{FF2B5EF4-FFF2-40B4-BE49-F238E27FC236}">
-                <a16:creationId xmlns:a16="http://schemas.microsoft.com/office/drawing/2014/main" id="{070A249F-DA20-4582-85B8-3599AB6D67F2}"/>
+                <a16:creationId xmlns:a16="http://schemas.microsoft.com/office/drawing/2014/main" xmlns="" id="{070A249F-DA20-4582-85B8-3599AB6D67F2}"/>
               </a:ext>
             </a:extLst>
           </p:cNvPr>
@@ -5768,7 +5792,7 @@
           <p:cNvPr id="32" name="Connecteur droit 31">
             <a:extLst>
               <a:ext uri="{FF2B5EF4-FFF2-40B4-BE49-F238E27FC236}">
-                <a16:creationId xmlns:a16="http://schemas.microsoft.com/office/drawing/2014/main" id="{FEE6CDA0-0973-4A80-8D3B-A1A3981527F3}"/>
+                <a16:creationId xmlns:a16="http://schemas.microsoft.com/office/drawing/2014/main" xmlns="" id="{FEE6CDA0-0973-4A80-8D3B-A1A3981527F3}"/>
               </a:ext>
             </a:extLst>
           </p:cNvPr>
@@ -5808,7 +5832,7 @@
           <p:cNvPr id="34" name="Connecteur droit 33">
             <a:extLst>
               <a:ext uri="{FF2B5EF4-FFF2-40B4-BE49-F238E27FC236}">
-                <a16:creationId xmlns:a16="http://schemas.microsoft.com/office/drawing/2014/main" id="{8976A08E-699A-433E-A1D3-48827A2626B6}"/>
+                <a16:creationId xmlns:a16="http://schemas.microsoft.com/office/drawing/2014/main" xmlns="" id="{8976A08E-699A-433E-A1D3-48827A2626B6}"/>
               </a:ext>
             </a:extLst>
           </p:cNvPr>
@@ -5848,7 +5872,7 @@
           <p:cNvPr id="38" name="Connecteur droit 37">
             <a:extLst>
               <a:ext uri="{FF2B5EF4-FFF2-40B4-BE49-F238E27FC236}">
-                <a16:creationId xmlns:a16="http://schemas.microsoft.com/office/drawing/2014/main" id="{02BE9E04-8479-4A6C-954F-34EFE157B456}"/>
+                <a16:creationId xmlns:a16="http://schemas.microsoft.com/office/drawing/2014/main" xmlns="" id="{02BE9E04-8479-4A6C-954F-34EFE157B456}"/>
               </a:ext>
             </a:extLst>
           </p:cNvPr>
@@ -5888,7 +5912,7 @@
           <p:cNvPr id="45" name="Tableau 44">
             <a:extLst>
               <a:ext uri="{FF2B5EF4-FFF2-40B4-BE49-F238E27FC236}">
-                <a16:creationId xmlns:a16="http://schemas.microsoft.com/office/drawing/2014/main" id="{AE18AA68-DACF-4884-BC42-C4283C0CBF1A}"/>
+                <a16:creationId xmlns:a16="http://schemas.microsoft.com/office/drawing/2014/main" xmlns="" id="{AE18AA68-DACF-4884-BC42-C4283C0CBF1A}"/>
               </a:ext>
             </a:extLst>
           </p:cNvPr>
@@ -5898,7 +5922,7 @@
           <p:nvPr>
             <p:extLst>
               <p:ext uri="{D42A27DB-BD31-4B8C-83A1-F6EECF244321}">
-                <p14:modId xmlns:p14="http://schemas.microsoft.com/office/powerpoint/2010/main" val="3682095016"/>
+                <p14:modId xmlns:p14="http://schemas.microsoft.com/office/powerpoint/2010/main" xmlns="" val="3682095016"/>
               </p:ext>
             </p:extLst>
           </p:nvPr>
@@ -5917,7 +5941,7 @@
                 <a:gridCol w="1914843">
                   <a:extLst>
                     <a:ext uri="{9D8B030D-6E8A-4147-A177-3AD203B41FA5}">
-                      <a16:colId xmlns:a16="http://schemas.microsoft.com/office/drawing/2014/main" val="1250111940"/>
+                      <a16:colId xmlns:a16="http://schemas.microsoft.com/office/drawing/2014/main" xmlns="" val="1250111940"/>
                     </a:ext>
                   </a:extLst>
                 </a:gridCol>
@@ -5939,7 +5963,7 @@
                 </a:tc>
                 <a:extLst>
                   <a:ext uri="{0D108BD9-81ED-4DB2-BD59-A6C34878D82A}">
-                    <a16:rowId xmlns:a16="http://schemas.microsoft.com/office/drawing/2014/main" val="1195109221"/>
+                    <a16:rowId xmlns:a16="http://schemas.microsoft.com/office/drawing/2014/main" xmlns="" val="1195109221"/>
                   </a:ext>
                 </a:extLst>
               </a:tr>
@@ -5960,7 +5984,7 @@
                 </a:tc>
                 <a:extLst>
                   <a:ext uri="{0D108BD9-81ED-4DB2-BD59-A6C34878D82A}">
-                    <a16:rowId xmlns:a16="http://schemas.microsoft.com/office/drawing/2014/main" val="4092456598"/>
+                    <a16:rowId xmlns:a16="http://schemas.microsoft.com/office/drawing/2014/main" xmlns="" val="4092456598"/>
                   </a:ext>
                 </a:extLst>
               </a:tr>
@@ -5981,7 +6005,7 @@
                 </a:tc>
                 <a:extLst>
                   <a:ext uri="{0D108BD9-81ED-4DB2-BD59-A6C34878D82A}">
-                    <a16:rowId xmlns:a16="http://schemas.microsoft.com/office/drawing/2014/main" val="2742460137"/>
+                    <a16:rowId xmlns:a16="http://schemas.microsoft.com/office/drawing/2014/main" xmlns="" val="2742460137"/>
                   </a:ext>
                 </a:extLst>
               </a:tr>
@@ -6002,7 +6026,7 @@
                 </a:tc>
                 <a:extLst>
                   <a:ext uri="{0D108BD9-81ED-4DB2-BD59-A6C34878D82A}">
-                    <a16:rowId xmlns:a16="http://schemas.microsoft.com/office/drawing/2014/main" val="3684877197"/>
+                    <a16:rowId xmlns:a16="http://schemas.microsoft.com/office/drawing/2014/main" xmlns="" val="3684877197"/>
                   </a:ext>
                 </a:extLst>
               </a:tr>
@@ -6023,7 +6047,7 @@
                 </a:tc>
                 <a:extLst>
                   <a:ext uri="{0D108BD9-81ED-4DB2-BD59-A6C34878D82A}">
-                    <a16:rowId xmlns:a16="http://schemas.microsoft.com/office/drawing/2014/main" val="422451159"/>
+                    <a16:rowId xmlns:a16="http://schemas.microsoft.com/office/drawing/2014/main" xmlns="" val="422451159"/>
                   </a:ext>
                 </a:extLst>
               </a:tr>
@@ -6044,7 +6068,7 @@
                 </a:tc>
                 <a:extLst>
                   <a:ext uri="{0D108BD9-81ED-4DB2-BD59-A6C34878D82A}">
-                    <a16:rowId xmlns:a16="http://schemas.microsoft.com/office/drawing/2014/main" val="1524328586"/>
+                    <a16:rowId xmlns:a16="http://schemas.microsoft.com/office/drawing/2014/main" xmlns="" val="1524328586"/>
                   </a:ext>
                 </a:extLst>
               </a:tr>
@@ -6065,7 +6089,7 @@
                 </a:tc>
                 <a:extLst>
                   <a:ext uri="{0D108BD9-81ED-4DB2-BD59-A6C34878D82A}">
-                    <a16:rowId xmlns:a16="http://schemas.microsoft.com/office/drawing/2014/main" val="3803691865"/>
+                    <a16:rowId xmlns:a16="http://schemas.microsoft.com/office/drawing/2014/main" xmlns="" val="3803691865"/>
                   </a:ext>
                 </a:extLst>
               </a:tr>
@@ -6086,7 +6110,7 @@
                 </a:tc>
                 <a:extLst>
                   <a:ext uri="{0D108BD9-81ED-4DB2-BD59-A6C34878D82A}">
-                    <a16:rowId xmlns:a16="http://schemas.microsoft.com/office/drawing/2014/main" val="2354159121"/>
+                    <a16:rowId xmlns:a16="http://schemas.microsoft.com/office/drawing/2014/main" xmlns="" val="2354159121"/>
                   </a:ext>
                 </a:extLst>
               </a:tr>
@@ -6107,7 +6131,7 @@
                 </a:tc>
                 <a:extLst>
                   <a:ext uri="{0D108BD9-81ED-4DB2-BD59-A6C34878D82A}">
-                    <a16:rowId xmlns:a16="http://schemas.microsoft.com/office/drawing/2014/main" val="831456692"/>
+                    <a16:rowId xmlns:a16="http://schemas.microsoft.com/office/drawing/2014/main" xmlns="" val="831456692"/>
                   </a:ext>
                 </a:extLst>
               </a:tr>
@@ -6128,7 +6152,7 @@
                 </a:tc>
                 <a:extLst>
                   <a:ext uri="{0D108BD9-81ED-4DB2-BD59-A6C34878D82A}">
-                    <a16:rowId xmlns:a16="http://schemas.microsoft.com/office/drawing/2014/main" val="762711720"/>
+                    <a16:rowId xmlns:a16="http://schemas.microsoft.com/office/drawing/2014/main" xmlns="" val="762711720"/>
                   </a:ext>
                 </a:extLst>
               </a:tr>
@@ -6149,7 +6173,7 @@
                 </a:tc>
                 <a:extLst>
                   <a:ext uri="{0D108BD9-81ED-4DB2-BD59-A6C34878D82A}">
-                    <a16:rowId xmlns:a16="http://schemas.microsoft.com/office/drawing/2014/main" val="2125260159"/>
+                    <a16:rowId xmlns:a16="http://schemas.microsoft.com/office/drawing/2014/main" xmlns="" val="2125260159"/>
                   </a:ext>
                 </a:extLst>
               </a:tr>
@@ -6170,7 +6194,7 @@
                 </a:tc>
                 <a:extLst>
                   <a:ext uri="{0D108BD9-81ED-4DB2-BD59-A6C34878D82A}">
-                    <a16:rowId xmlns:a16="http://schemas.microsoft.com/office/drawing/2014/main" val="2136947453"/>
+                    <a16:rowId xmlns:a16="http://schemas.microsoft.com/office/drawing/2014/main" xmlns="" val="2136947453"/>
                   </a:ext>
                 </a:extLst>
               </a:tr>
@@ -6190,7 +6214,7 @@
                 </a:tc>
                 <a:extLst>
                   <a:ext uri="{0D108BD9-81ED-4DB2-BD59-A6C34878D82A}">
-                    <a16:rowId xmlns:a16="http://schemas.microsoft.com/office/drawing/2014/main" val="1417621849"/>
+                    <a16:rowId xmlns:a16="http://schemas.microsoft.com/office/drawing/2014/main" xmlns="" val="1417621849"/>
                   </a:ext>
                 </a:extLst>
               </a:tr>
@@ -6211,7 +6235,7 @@
                 </a:tc>
                 <a:extLst>
                   <a:ext uri="{0D108BD9-81ED-4DB2-BD59-A6C34878D82A}">
-                    <a16:rowId xmlns:a16="http://schemas.microsoft.com/office/drawing/2014/main" val="3670758939"/>
+                    <a16:rowId xmlns:a16="http://schemas.microsoft.com/office/drawing/2014/main" xmlns="" val="3670758939"/>
                   </a:ext>
                 </a:extLst>
               </a:tr>
@@ -6232,7 +6256,7 @@
                 </a:tc>
                 <a:extLst>
                   <a:ext uri="{0D108BD9-81ED-4DB2-BD59-A6C34878D82A}">
-                    <a16:rowId xmlns:a16="http://schemas.microsoft.com/office/drawing/2014/main" val="2477251748"/>
+                    <a16:rowId xmlns:a16="http://schemas.microsoft.com/office/drawing/2014/main" xmlns="" val="2477251748"/>
                   </a:ext>
                 </a:extLst>
               </a:tr>
@@ -6253,7 +6277,7 @@
                 </a:tc>
                 <a:extLst>
                   <a:ext uri="{0D108BD9-81ED-4DB2-BD59-A6C34878D82A}">
-                    <a16:rowId xmlns:a16="http://schemas.microsoft.com/office/drawing/2014/main" val="4195852793"/>
+                    <a16:rowId xmlns:a16="http://schemas.microsoft.com/office/drawing/2014/main" xmlns="" val="4195852793"/>
                   </a:ext>
                 </a:extLst>
               </a:tr>
@@ -6264,17 +6288,17 @@
                     <a:lstStyle/>
                     <a:p>
                       <a:r>
-                        <a:rPr lang="en-US" sz="900" dirty="0" err="1"/>
+                        <a:rPr lang="en-US" sz="900" u="sng" dirty="0" err="1"/>
                         <a:t>monthYear</a:t>
                       </a:r>
-                      <a:endParaRPr lang="en-US" sz="900" dirty="0"/>
-                    </a:p>
-                  </a:txBody>
-                  <a:tcPr marT="0" marB="0" anchor="ctr"/>
-                </a:tc>
-                <a:extLst>
-                  <a:ext uri="{0D108BD9-81ED-4DB2-BD59-A6C34878D82A}">
-                    <a16:rowId xmlns:a16="http://schemas.microsoft.com/office/drawing/2014/main" val="1834900216"/>
+                      <a:endParaRPr lang="en-US" sz="900" u="sng" dirty="0"/>
+                    </a:p>
+                  </a:txBody>
+                  <a:tcPr marT="0" marB="0" anchor="ctr"/>
+                </a:tc>
+                <a:extLst>
+                  <a:ext uri="{0D108BD9-81ED-4DB2-BD59-A6C34878D82A}">
+                    <a16:rowId xmlns:a16="http://schemas.microsoft.com/office/drawing/2014/main" xmlns="" val="1834900216"/>
                   </a:ext>
                 </a:extLst>
               </a:tr>
@@ -6285,7 +6309,7 @@
     </p:spTree>
     <p:extLst>
       <p:ext uri="{BB962C8B-B14F-4D97-AF65-F5344CB8AC3E}">
-        <p14:creationId xmlns:p14="http://schemas.microsoft.com/office/powerpoint/2010/main" val="3618702772"/>
+        <p14:creationId xmlns:p14="http://schemas.microsoft.com/office/powerpoint/2010/main" xmlns="" val="3618702772"/>
       </p:ext>
     </p:extLst>
   </p:cSld>
@@ -6338,7 +6362,7 @@
     </a:clrScheme>
     <a:fontScheme name="Office">
       <a:majorFont>
-        <a:latin typeface="Calibri Light" panose="020F0302020204030204"/>
+        <a:latin typeface="Calibri Light"/>
         <a:ea typeface=""/>
         <a:cs typeface=""/>
         <a:font script="Jpan" typeface="游ゴシック Light"/>
@@ -6390,7 +6414,7 @@
         <a:font script="Tfng" typeface="Ebrima"/>
       </a:majorFont>
       <a:minorFont>
-        <a:latin typeface="Calibri" panose="020F0502020204030204"/>
+        <a:latin typeface="Calibri"/>
         <a:ea typeface=""/>
         <a:cs typeface=""/>
         <a:font script="Jpan" typeface="游ゴシック"/>
@@ -6584,7 +6608,7 @@
   <a:extraClrSchemeLst/>
   <a:extLst>
     <a:ext uri="{05A4C25C-085E-4340-85A3-A5531E510DB2}">
-      <thm15:themeFamily xmlns:thm15="http://schemas.microsoft.com/office/thememl/2012/main" name="Office Theme" id="{62F939B6-93AF-4DB8-9C6B-D6C7DFDC589F}" vid="{4A3C46E8-61CC-4603-A589-7422A47A8E4A}"/>
+      <thm15:themeFamily xmlns:thm15="http://schemas.microsoft.com/office/thememl/2012/main" xmlns="" name="Office Theme" id="{62F939B6-93AF-4DB8-9C6B-D6C7DFDC589F}" vid="{4A3C46E8-61CC-4603-A589-7422A47A8E4A}"/>
     </a:ext>
   </a:extLst>
 </a:theme>
